--- a/4711最終.pptx
+++ b/4711最終.pptx
@@ -8,10 +8,13 @@
     <p:sldId id="256" r:id="rId2"/>
     <p:sldId id="260" r:id="rId3"/>
     <p:sldId id="257" r:id="rId4"/>
-    <p:sldId id="258" r:id="rId5"/>
-    <p:sldId id="259" r:id="rId6"/>
-    <p:sldId id="261" r:id="rId7"/>
-    <p:sldId id="262" r:id="rId8"/>
+    <p:sldId id="263" r:id="rId5"/>
+    <p:sldId id="258" r:id="rId6"/>
+    <p:sldId id="259" r:id="rId7"/>
+    <p:sldId id="264" r:id="rId8"/>
+    <p:sldId id="265" r:id="rId9"/>
+    <p:sldId id="261" r:id="rId10"/>
+    <p:sldId id="262" r:id="rId11"/>
   </p:sldIdLst>
   <p:sldSz cx="12192000" cy="6858000"/>
   <p:notesSz cx="6858000" cy="9144000"/>
@@ -121,7 +124,7 @@
 <file path=ppt/revisionInfo.xml><?xml version="1.0" encoding="utf-8"?>
 <p1510:revInfo xmlns:a="http://schemas.openxmlformats.org/drawingml/2006/main" xmlns:r="http://schemas.openxmlformats.org/officeDocument/2006/relationships" xmlns:p1510="http://schemas.microsoft.com/office/powerpoint/2015/10/main">
   <p1510:revLst>
-    <p1510:client id="{13DA99C8-D85F-4401-87CD-1643E3BDB5AA}" v="2" dt="2026-01-29T15:10:39.278"/>
+    <p1510:client id="{458F3936-C131-4A83-A95E-77011D30D112}" v="4" dt="2026-02-05T14:28:55.051"/>
   </p1510:revLst>
 </p1510:revInfo>
 </file>
@@ -130,128 +133,65 @@
 <pc:chgInfo xmlns:a="http://schemas.openxmlformats.org/drawingml/2006/main" xmlns:r="http://schemas.openxmlformats.org/officeDocument/2006/relationships" xmlns:ac="http://schemas.microsoft.com/office/drawing/2013/main/command" xmlns:pc="http://schemas.microsoft.com/office/powerpoint/2013/main/command">
   <pc:docChgLst>
     <pc:chgData name="凜 角田" userId="5aa770bd1d342c01" providerId="LiveId" clId="{0561B324-976F-4F08-B907-28374AB6576F}"/>
-    <pc:docChg chg="custSel addSld delSld modSld">
-      <pc:chgData name="凜 角田" userId="5aa770bd1d342c01" providerId="LiveId" clId="{0561B324-976F-4F08-B907-28374AB6576F}" dt="2026-01-29T15:11:05.979" v="5" actId="47"/>
+    <pc:docChg chg="custSel modSld">
+      <pc:chgData name="凜 角田" userId="5aa770bd1d342c01" providerId="LiveId" clId="{0561B324-976F-4F08-B907-28374AB6576F}" dt="2026-02-05T14:28:55.051" v="392"/>
       <pc:docMkLst>
         <pc:docMk/>
       </pc:docMkLst>
-      <pc:sldChg chg="addSp delSp modSp mod">
-        <pc:chgData name="凜 角田" userId="5aa770bd1d342c01" providerId="LiveId" clId="{0561B324-976F-4F08-B907-28374AB6576F}" dt="2026-01-29T15:11:02.278" v="4" actId="478"/>
+      <pc:sldChg chg="modSp mod">
+        <pc:chgData name="凜 角田" userId="5aa770bd1d342c01" providerId="LiveId" clId="{0561B324-976F-4F08-B907-28374AB6576F}" dt="2026-02-05T14:28:55.051" v="392"/>
         <pc:sldMkLst>
           <pc:docMk/>
-          <pc:sldMk cId="706463442" sldId="262"/>
+          <pc:sldMk cId="2599847687" sldId="257"/>
         </pc:sldMkLst>
-        <pc:spChg chg="del mod">
-          <ac:chgData name="凜 角田" userId="5aa770bd1d342c01" providerId="LiveId" clId="{0561B324-976F-4F08-B907-28374AB6576F}" dt="2026-01-29T15:11:02.278" v="4" actId="478"/>
+        <pc:spChg chg="mod">
+          <ac:chgData name="凜 角田" userId="5aa770bd1d342c01" providerId="LiveId" clId="{0561B324-976F-4F08-B907-28374AB6576F}" dt="2026-02-05T14:28:55.051" v="392"/>
           <ac:spMkLst>
             <pc:docMk/>
-            <pc:sldMk cId="706463442" sldId="262"/>
-            <ac:spMk id="3" creationId="{B3880FEC-65FE-F4CC-E666-234191A00FA4}"/>
+            <pc:sldMk cId="2599847687" sldId="257"/>
+            <ac:spMk id="3" creationId="{7716027C-7843-D7B0-3394-306EF89D6DF1}"/>
           </ac:spMkLst>
         </pc:spChg>
-        <pc:spChg chg="mod">
-          <ac:chgData name="凜 角田" userId="5aa770bd1d342c01" providerId="LiveId" clId="{0561B324-976F-4F08-B907-28374AB6576F}" dt="2026-01-29T15:10:39.278" v="1"/>
+      </pc:sldChg>
+      <pc:sldChg chg="addSp modSp mod">
+        <pc:chgData name="凜 角田" userId="5aa770bd1d342c01" providerId="LiveId" clId="{0561B324-976F-4F08-B907-28374AB6576F}" dt="2026-02-05T14:26:45.002" v="382" actId="1076"/>
+        <pc:sldMkLst>
+          <pc:docMk/>
+          <pc:sldMk cId="565216438" sldId="265"/>
+        </pc:sldMkLst>
+        <pc:spChg chg="add mod">
+          <ac:chgData name="凜 角田" userId="5aa770bd1d342c01" providerId="LiveId" clId="{0561B324-976F-4F08-B907-28374AB6576F}" dt="2026-02-05T14:24:01.784" v="81" actId="1076"/>
           <ac:spMkLst>
             <pc:docMk/>
-            <pc:sldMk cId="706463442" sldId="262"/>
-            <ac:spMk id="11" creationId="{16FE502B-EC64-D7F2-AC53-C985C7965A41}"/>
+            <pc:sldMk cId="565216438" sldId="265"/>
+            <ac:spMk id="6" creationId="{2330BDE2-7C01-8EF6-B46C-958FF07D1672}"/>
           </ac:spMkLst>
         </pc:spChg>
-        <pc:spChg chg="mod">
-          <ac:chgData name="凜 角田" userId="5aa770bd1d342c01" providerId="LiveId" clId="{0561B324-976F-4F08-B907-28374AB6576F}" dt="2026-01-29T15:10:39.278" v="1"/>
+        <pc:spChg chg="add mod">
+          <ac:chgData name="凜 角田" userId="5aa770bd1d342c01" providerId="LiveId" clId="{0561B324-976F-4F08-B907-28374AB6576F}" dt="2026-02-05T14:25:07.892" v="215" actId="20577"/>
           <ac:spMkLst>
             <pc:docMk/>
-            <pc:sldMk cId="706463442" sldId="262"/>
-            <ac:spMk id="12" creationId="{10EED9F0-4D07-51A6-8AEA-0FE528BA20FB}"/>
+            <pc:sldMk cId="565216438" sldId="265"/>
+            <ac:spMk id="7" creationId="{60EA53E3-BECA-8830-A8EA-7D276FD926FD}"/>
           </ac:spMkLst>
         </pc:spChg>
-        <pc:spChg chg="mod">
-          <ac:chgData name="凜 角田" userId="5aa770bd1d342c01" providerId="LiveId" clId="{0561B324-976F-4F08-B907-28374AB6576F}" dt="2026-01-29T15:10:39.278" v="1"/>
+        <pc:spChg chg="add mod">
+          <ac:chgData name="凜 角田" userId="5aa770bd1d342c01" providerId="LiveId" clId="{0561B324-976F-4F08-B907-28374AB6576F}" dt="2026-02-05T14:25:52.328" v="300" actId="14100"/>
           <ac:spMkLst>
             <pc:docMk/>
-            <pc:sldMk cId="706463442" sldId="262"/>
-            <ac:spMk id="13" creationId="{718A5295-24BA-1930-3213-7D36B306BAD0}"/>
+            <pc:sldMk cId="565216438" sldId="265"/>
+            <ac:spMk id="8" creationId="{B3A01861-2248-08DA-65C3-584267431657}"/>
           </ac:spMkLst>
         </pc:spChg>
-        <pc:spChg chg="mod">
-          <ac:chgData name="凜 角田" userId="5aa770bd1d342c01" providerId="LiveId" clId="{0561B324-976F-4F08-B907-28374AB6576F}" dt="2026-01-29T15:10:39.278" v="1"/>
+        <pc:spChg chg="add mod">
+          <ac:chgData name="凜 角田" userId="5aa770bd1d342c01" providerId="LiveId" clId="{0561B324-976F-4F08-B907-28374AB6576F}" dt="2026-02-05T14:26:45.002" v="382" actId="1076"/>
           <ac:spMkLst>
             <pc:docMk/>
-            <pc:sldMk cId="706463442" sldId="262"/>
-            <ac:spMk id="14" creationId="{65E1021F-96D7-980F-C15A-12829B288DF2}"/>
+            <pc:sldMk cId="565216438" sldId="265"/>
+            <ac:spMk id="9" creationId="{F00DD3F9-93EA-E05D-1FBA-2A595693F685}"/>
           </ac:spMkLst>
         </pc:spChg>
-        <pc:spChg chg="mod">
-          <ac:chgData name="凜 角田" userId="5aa770bd1d342c01" providerId="LiveId" clId="{0561B324-976F-4F08-B907-28374AB6576F}" dt="2026-01-29T15:10:39.278" v="1"/>
-          <ac:spMkLst>
-            <pc:docMk/>
-            <pc:sldMk cId="706463442" sldId="262"/>
-            <ac:spMk id="15" creationId="{63FBD6AE-F317-895A-97B4-8DF63DC0A20B}"/>
-          </ac:spMkLst>
-        </pc:spChg>
-        <pc:spChg chg="mod">
-          <ac:chgData name="凜 角田" userId="5aa770bd1d342c01" providerId="LiveId" clId="{0561B324-976F-4F08-B907-28374AB6576F}" dt="2026-01-29T15:10:39.278" v="1"/>
-          <ac:spMkLst>
-            <pc:docMk/>
-            <pc:sldMk cId="706463442" sldId="262"/>
-            <ac:spMk id="16" creationId="{EC59D23F-7D04-3929-AC29-4290B4D1519D}"/>
-          </ac:spMkLst>
-        </pc:spChg>
-        <pc:spChg chg="mod">
-          <ac:chgData name="凜 角田" userId="5aa770bd1d342c01" providerId="LiveId" clId="{0561B324-976F-4F08-B907-28374AB6576F}" dt="2026-01-29T15:10:39.278" v="1"/>
-          <ac:spMkLst>
-            <pc:docMk/>
-            <pc:sldMk cId="706463442" sldId="262"/>
-            <ac:spMk id="17" creationId="{3F19BB67-03EE-50F0-5265-5B4B43066F13}"/>
-          </ac:spMkLst>
-        </pc:spChg>
-        <pc:grpChg chg="add mod">
-          <ac:chgData name="凜 角田" userId="5aa770bd1d342c01" providerId="LiveId" clId="{0561B324-976F-4F08-B907-28374AB6576F}" dt="2026-01-29T15:10:49.402" v="2" actId="1076"/>
-          <ac:grpSpMkLst>
-            <pc:docMk/>
-            <pc:sldMk cId="706463442" sldId="262"/>
-            <ac:grpSpMk id="4" creationId="{84662D5A-69E0-00F0-18F7-E20D90AC6271}"/>
-          </ac:grpSpMkLst>
-        </pc:grpChg>
-        <pc:cxnChg chg="mod">
-          <ac:chgData name="凜 角田" userId="5aa770bd1d342c01" providerId="LiveId" clId="{0561B324-976F-4F08-B907-28374AB6576F}" dt="2026-01-29T15:10:39.278" v="1"/>
-          <ac:cxnSpMkLst>
-            <pc:docMk/>
-            <pc:sldMk cId="706463442" sldId="262"/>
-            <ac:cxnSpMk id="5" creationId="{E44F1EA3-28CB-3594-B3EA-CD20F6725113}"/>
-          </ac:cxnSpMkLst>
-        </pc:cxnChg>
-        <pc:cxnChg chg="mod">
-          <ac:chgData name="凜 角田" userId="5aa770bd1d342c01" providerId="LiveId" clId="{0561B324-976F-4F08-B907-28374AB6576F}" dt="2026-01-29T15:10:39.278" v="1"/>
-          <ac:cxnSpMkLst>
-            <pc:docMk/>
-            <pc:sldMk cId="706463442" sldId="262"/>
-            <ac:cxnSpMk id="9" creationId="{76F1E435-F921-8450-DBAE-470F80C04FB2}"/>
-          </ac:cxnSpMkLst>
-        </pc:cxnChg>
       </pc:sldChg>
-      <pc:sldChg chg="add del">
-        <pc:chgData name="凜 角田" userId="5aa770bd1d342c01" providerId="LiveId" clId="{0561B324-976F-4F08-B907-28374AB6576F}" dt="2026-01-29T15:11:05.979" v="5" actId="47"/>
-        <pc:sldMkLst>
-          <pc:docMk/>
-          <pc:sldMk cId="0" sldId="263"/>
-        </pc:sldMkLst>
-      </pc:sldChg>
-      <pc:sldMasterChg chg="delSldLayout">
-        <pc:chgData name="凜 角田" userId="5aa770bd1d342c01" providerId="LiveId" clId="{0561B324-976F-4F08-B907-28374AB6576F}" dt="2026-01-29T15:11:05.979" v="5" actId="47"/>
-        <pc:sldMasterMkLst>
-          <pc:docMk/>
-          <pc:sldMasterMk cId="0" sldId="2147483840"/>
-        </pc:sldMasterMkLst>
-        <pc:sldLayoutChg chg="del">
-          <pc:chgData name="凜 角田" userId="5aa770bd1d342c01" providerId="LiveId" clId="{0561B324-976F-4F08-B907-28374AB6576F}" dt="2026-01-29T15:11:05.979" v="5" actId="47"/>
-          <pc:sldLayoutMkLst>
-            <pc:docMk/>
-            <pc:sldMasterMk cId="0" sldId="2147483840"/>
-            <pc:sldLayoutMk cId="2991177591" sldId="2147483852"/>
-          </pc:sldLayoutMkLst>
-        </pc:sldLayoutChg>
-      </pc:sldMasterChg>
     </pc:docChg>
   </pc:docChgLst>
 </pc:chgInfo>
@@ -482,7 +422,7 @@
             <a:fld id="{5586B75A-687E-405C-8A0B-8D00578BA2C3}" type="datetimeFigureOut">
               <a:rPr lang="en-US" dirty="0"/>
               <a:pPr/>
-              <a:t>1/30/2026</a:t>
+              <a:t>2/5/2026</a:t>
             </a:fld>
             <a:endParaRPr lang="en-US" dirty="0"/>
           </a:p>
@@ -681,7 +621,7 @@
             <a:fld id="{5586B75A-687E-405C-8A0B-8D00578BA2C3}" type="datetimeFigureOut">
               <a:rPr lang="en-US" dirty="0"/>
               <a:pPr/>
-              <a:t>1/30/2026</a:t>
+              <a:t>2/5/2026</a:t>
             </a:fld>
             <a:endParaRPr lang="en-US" dirty="0"/>
           </a:p>
@@ -890,7 +830,7 @@
             <a:fld id="{5586B75A-687E-405C-8A0B-8D00578BA2C3}" type="datetimeFigureOut">
               <a:rPr lang="en-US" dirty="0"/>
               <a:pPr/>
-              <a:t>1/30/2026</a:t>
+              <a:t>2/5/2026</a:t>
             </a:fld>
             <a:endParaRPr lang="en-US" dirty="0"/>
           </a:p>
@@ -1089,7 +1029,7 @@
             <a:fld id="{5586B75A-687E-405C-8A0B-8D00578BA2C3}" type="datetimeFigureOut">
               <a:rPr lang="en-US" dirty="0"/>
               <a:pPr/>
-              <a:t>1/30/2026</a:t>
+              <a:t>2/5/2026</a:t>
             </a:fld>
             <a:endParaRPr lang="en-US" dirty="0"/>
           </a:p>
@@ -1344,7 +1284,7 @@
             <a:fld id="{5586B75A-687E-405C-8A0B-8D00578BA2C3}" type="datetimeFigureOut">
               <a:rPr lang="en-US" dirty="0"/>
               <a:pPr/>
-              <a:t>1/30/2026</a:t>
+              <a:t>2/5/2026</a:t>
             </a:fld>
             <a:endParaRPr lang="en-US" dirty="0"/>
           </a:p>
@@ -1693,7 +1633,7 @@
             <a:fld id="{5586B75A-687E-405C-8A0B-8D00578BA2C3}" type="datetimeFigureOut">
               <a:rPr lang="en-US" dirty="0"/>
               <a:pPr/>
-              <a:t>1/30/2026</a:t>
+              <a:t>2/5/2026</a:t>
             </a:fld>
             <a:endParaRPr lang="en-US" dirty="0"/>
           </a:p>
@@ -2196,7 +2136,7 @@
             <a:fld id="{5586B75A-687E-405C-8A0B-8D00578BA2C3}" type="datetimeFigureOut">
               <a:rPr lang="en-US" dirty="0"/>
               <a:pPr/>
-              <a:t>1/30/2026</a:t>
+              <a:t>2/5/2026</a:t>
             </a:fld>
             <a:endParaRPr lang="en-US" dirty="0"/>
           </a:p>
@@ -2311,7 +2251,7 @@
             <a:fld id="{5586B75A-687E-405C-8A0B-8D00578BA2C3}" type="datetimeFigureOut">
               <a:rPr lang="en-US" dirty="0"/>
               <a:pPr/>
-              <a:t>1/30/2026</a:t>
+              <a:t>2/5/2026</a:t>
             </a:fld>
             <a:endParaRPr lang="en-US" dirty="0"/>
           </a:p>
@@ -2403,7 +2343,7 @@
             <a:fld id="{5586B75A-687E-405C-8A0B-8D00578BA2C3}" type="datetimeFigureOut">
               <a:rPr lang="en-US" dirty="0"/>
               <a:pPr/>
-              <a:t>1/30/2026</a:t>
+              <a:t>2/5/2026</a:t>
             </a:fld>
             <a:endParaRPr lang="en-US" dirty="0"/>
           </a:p>
@@ -2720,7 +2660,7 @@
             <a:fld id="{5586B75A-687E-405C-8A0B-8D00578BA2C3}" type="datetimeFigureOut">
               <a:rPr lang="en-US" dirty="0"/>
               <a:pPr/>
-              <a:t>1/30/2026</a:t>
+              <a:t>2/5/2026</a:t>
             </a:fld>
             <a:endParaRPr lang="en-US" dirty="0"/>
           </a:p>
@@ -2990,7 +2930,7 @@
             <a:fld id="{5586B75A-687E-405C-8A0B-8D00578BA2C3}" type="datetimeFigureOut">
               <a:rPr lang="en-US" dirty="0"/>
               <a:pPr/>
-              <a:t>1/30/2026</a:t>
+              <a:t>2/5/2026</a:t>
             </a:fld>
             <a:endParaRPr lang="en-US" dirty="0"/>
           </a:p>
@@ -3316,7 +3256,7 @@
             <a:fld id="{5586B75A-687E-405C-8A0B-8D00578BA2C3}" type="datetimeFigureOut">
               <a:rPr lang="en-US" dirty="0"/>
               <a:pPr/>
-              <a:t>1/30/2026</a:t>
+              <a:t>2/5/2026</a:t>
             </a:fld>
             <a:endParaRPr lang="en-US" dirty="0"/>
           </a:p>
@@ -3813,9 +3753,45 @@
         </p:nvSpPr>
         <p:spPr/>
         <p:txBody>
-          <a:bodyPr/>
-          <a:lstStyle/>
-          <a:p>
+          <a:bodyPr>
+            <a:normAutofit fontScale="90000"/>
+          </a:bodyPr>
+          <a:lstStyle/>
+          <a:p>
+            <a:r>
+              <a:rPr lang="en-US" altLang="ja-JP" b="1" dirty="0"/>
+              <a:t>My</a:t>
+            </a:r>
+            <a:r>
+              <a:rPr lang="ja-JP" altLang="en-US" b="1" dirty="0"/>
+              <a:t>　</a:t>
+            </a:r>
+            <a:r>
+              <a:rPr lang="en-US" altLang="ja-JP" b="1" dirty="0"/>
+              <a:t>TODO</a:t>
+            </a:r>
+            <a:r>
+              <a:rPr lang="ja-JP" altLang="en-US" b="1" dirty="0"/>
+              <a:t>　</a:t>
+            </a:r>
+            <a:r>
+              <a:rPr lang="en-US" altLang="ja-JP" b="1" dirty="0"/>
+              <a:t>App</a:t>
+            </a:r>
+            <a:r>
+              <a:rPr lang="ja-JP" altLang="en-US" b="1" dirty="0"/>
+              <a:t>　</a:t>
+            </a:r>
+            <a:r>
+              <a:rPr lang="ja-JP" altLang="en-US" dirty="0"/>
+              <a:t>📝</a:t>
+            </a:r>
+            <a:br>
+              <a:rPr lang="en-US" altLang="ja-JP" dirty="0"/>
+            </a:br>
+            <a:br>
+              <a:rPr lang="en-US" altLang="ja-JP" dirty="0"/>
+            </a:br>
             <a:r>
               <a:rPr lang="en-US" altLang="ja-JP" dirty="0"/>
               <a:t>4711special</a:t>
@@ -3868,6 +3844,37 @@
           </a:p>
         </p:txBody>
       </p:sp>
+      <p:pic>
+        <p:nvPicPr>
+          <p:cNvPr id="6" name="図 5">
+            <a:extLst>
+              <a:ext uri="{FF2B5EF4-FFF2-40B4-BE49-F238E27FC236}">
+                <a16:creationId xmlns:a16="http://schemas.microsoft.com/office/drawing/2014/main" id="{6B61AC79-94F6-312B-9189-0E1D987BCD2C}"/>
+              </a:ext>
+            </a:extLst>
+          </p:cNvPr>
+          <p:cNvPicPr>
+            <a:picLocks noChangeAspect="1"/>
+          </p:cNvPicPr>
+          <p:nvPr/>
+        </p:nvPicPr>
+        <p:blipFill>
+          <a:blip r:embed="rId2"/>
+          <a:srcRect l="23733" t="-812" r="43365" b="-232"/>
+          <a:stretch>
+            <a:fillRect/>
+          </a:stretch>
+        </p:blipFill>
+        <p:spPr>
+          <a:xfrm>
+            <a:off x="9253267" y="718867"/>
+            <a:ext cx="2938733" cy="5398763"/>
+          </a:xfrm>
+          <a:prstGeom prst="rect">
+            <a:avLst/>
+          </a:prstGeom>
+        </p:spPr>
+      </p:pic>
     </p:spTree>
     <p:extLst>
       <p:ext uri="{BB962C8B-B14F-4D97-AF65-F5344CB8AC3E}">
@@ -3881,495 +3888,7 @@
 </p:sld>
 </file>
 
-<file path=ppt/slides/slide2.xml><?xml version="1.0" encoding="utf-8"?>
-<p:sld xmlns:a="http://schemas.openxmlformats.org/drawingml/2006/main" xmlns:r="http://schemas.openxmlformats.org/officeDocument/2006/relationships" xmlns:p="http://schemas.openxmlformats.org/presentationml/2006/main">
-  <p:cSld>
-    <p:spTree>
-      <p:nvGrpSpPr>
-        <p:cNvPr id="1" name=""/>
-        <p:cNvGrpSpPr/>
-        <p:nvPr/>
-      </p:nvGrpSpPr>
-      <p:grpSpPr>
-        <a:xfrm>
-          <a:off x="0" y="0"/>
-          <a:ext cx="0" cy="0"/>
-          <a:chOff x="0" y="0"/>
-          <a:chExt cx="0" cy="0"/>
-        </a:xfrm>
-      </p:grpSpPr>
-      <p:sp>
-        <p:nvSpPr>
-          <p:cNvPr id="2" name="タイトル 1">
-            <a:extLst>
-              <a:ext uri="{FF2B5EF4-FFF2-40B4-BE49-F238E27FC236}">
-                <a16:creationId xmlns:a16="http://schemas.microsoft.com/office/drawing/2014/main" id="{FAC8725B-9945-04A6-12B4-2245C692F272}"/>
-              </a:ext>
-            </a:extLst>
-          </p:cNvPr>
-          <p:cNvSpPr>
-            <a:spLocks noGrp="1"/>
-          </p:cNvSpPr>
-          <p:nvPr>
-            <p:ph type="title"/>
-          </p:nvPr>
-        </p:nvSpPr>
-        <p:spPr/>
-        <p:txBody>
-          <a:bodyPr/>
-          <a:lstStyle/>
-          <a:p>
-            <a:r>
-              <a:rPr kumimoji="1" lang="ja-JP" altLang="en-US" dirty="0"/>
-              <a:t>概要</a:t>
-            </a:r>
-          </a:p>
-        </p:txBody>
-      </p:sp>
-      <p:sp>
-        <p:nvSpPr>
-          <p:cNvPr id="3" name="コンテンツ プレースホルダー 2">
-            <a:extLst>
-              <a:ext uri="{FF2B5EF4-FFF2-40B4-BE49-F238E27FC236}">
-                <a16:creationId xmlns:a16="http://schemas.microsoft.com/office/drawing/2014/main" id="{9BB565FE-0E7B-AFF7-8078-9256EAC269A2}"/>
-              </a:ext>
-            </a:extLst>
-          </p:cNvPr>
-          <p:cNvSpPr>
-            <a:spLocks noGrp="1"/>
-          </p:cNvSpPr>
-          <p:nvPr>
-            <p:ph idx="1"/>
-          </p:nvPr>
-        </p:nvSpPr>
-        <p:spPr/>
-        <p:txBody>
-          <a:bodyPr/>
-          <a:lstStyle/>
-          <a:p>
-            <a:r>
-              <a:rPr kumimoji="1" lang="ja-JP" altLang="en-US" dirty="0"/>
-              <a:t>グループ名：</a:t>
-            </a:r>
-            <a:r>
-              <a:rPr kumimoji="1" lang="en-US" altLang="ja-JP" dirty="0"/>
-              <a:t>4711Special</a:t>
-            </a:r>
-            <a:endParaRPr lang="en-US" altLang="ja-JP" dirty="0"/>
-          </a:p>
-          <a:p>
-            <a:r>
-              <a:rPr kumimoji="1" lang="ja-JP" altLang="en-US" dirty="0"/>
-              <a:t>メンバー：</a:t>
-            </a:r>
-            <a:r>
-              <a:rPr kumimoji="1" lang="en-US" altLang="ja-JP" dirty="0"/>
-              <a:t>2272062</a:t>
-            </a:r>
-            <a:r>
-              <a:rPr kumimoji="1" lang="ja-JP" altLang="en-US" dirty="0"/>
-              <a:t>　角田凜　　</a:t>
-            </a:r>
-            <a:r>
-              <a:rPr lang="en-US" altLang="ja-JP" dirty="0"/>
-              <a:t>2341067</a:t>
-            </a:r>
-            <a:r>
-              <a:rPr lang="ja-JP" altLang="en-US" dirty="0"/>
-              <a:t>　畑遥菜</a:t>
-            </a:r>
-          </a:p>
-          <a:p>
-            <a:r>
-              <a:rPr lang="en-US" altLang="ja-JP" dirty="0"/>
-              <a:t>Git</a:t>
-            </a:r>
-            <a:r>
-              <a:rPr lang="ja-JP" altLang="en-US" dirty="0"/>
-              <a:t> </a:t>
-            </a:r>
-            <a:r>
-              <a:rPr lang="en-US" altLang="ja-JP" dirty="0"/>
-              <a:t>Hub</a:t>
-            </a:r>
-            <a:r>
-              <a:rPr lang="ja-JP" altLang="en-US" dirty="0"/>
-              <a:t>：</a:t>
-            </a:r>
-            <a:r>
-              <a:rPr lang="en-US" altLang="ja-JP" dirty="0"/>
-              <a:t>https://github.com/tunodarin/task_manager_DB.git</a:t>
-            </a:r>
-            <a:endParaRPr kumimoji="1" lang="ja-JP" altLang="en-US" dirty="0"/>
-          </a:p>
-        </p:txBody>
-      </p:sp>
-    </p:spTree>
-    <p:extLst>
-      <p:ext uri="{BB962C8B-B14F-4D97-AF65-F5344CB8AC3E}">
-        <p14:creationId xmlns:p14="http://schemas.microsoft.com/office/powerpoint/2010/main" val="2841528707"/>
-      </p:ext>
-    </p:extLst>
-  </p:cSld>
-  <p:clrMapOvr>
-    <a:masterClrMapping/>
-  </p:clrMapOvr>
-</p:sld>
-</file>
-
-<file path=ppt/slides/slide3.xml><?xml version="1.0" encoding="utf-8"?>
-<p:sld xmlns:a="http://schemas.openxmlformats.org/drawingml/2006/main" xmlns:r="http://schemas.openxmlformats.org/officeDocument/2006/relationships" xmlns:p="http://schemas.openxmlformats.org/presentationml/2006/main">
-  <p:cSld>
-    <p:spTree>
-      <p:nvGrpSpPr>
-        <p:cNvPr id="1" name=""/>
-        <p:cNvGrpSpPr/>
-        <p:nvPr/>
-      </p:nvGrpSpPr>
-      <p:grpSpPr>
-        <a:xfrm>
-          <a:off x="0" y="0"/>
-          <a:ext cx="0" cy="0"/>
-          <a:chOff x="0" y="0"/>
-          <a:chExt cx="0" cy="0"/>
-        </a:xfrm>
-      </p:grpSpPr>
-      <p:sp>
-        <p:nvSpPr>
-          <p:cNvPr id="2" name="タイトル 1">
-            <a:extLst>
-              <a:ext uri="{FF2B5EF4-FFF2-40B4-BE49-F238E27FC236}">
-                <a16:creationId xmlns:a16="http://schemas.microsoft.com/office/drawing/2014/main" id="{059DAE21-AEF8-A0C2-8D48-1E19E1E86633}"/>
-              </a:ext>
-            </a:extLst>
-          </p:cNvPr>
-          <p:cNvSpPr>
-            <a:spLocks noGrp="1"/>
-          </p:cNvSpPr>
-          <p:nvPr>
-            <p:ph type="title"/>
-          </p:nvPr>
-        </p:nvSpPr>
-        <p:spPr/>
-        <p:txBody>
-          <a:bodyPr/>
-          <a:lstStyle/>
-          <a:p>
-            <a:r>
-              <a:rPr kumimoji="1" lang="ja-JP" altLang="en-US" dirty="0"/>
-              <a:t>大学生</a:t>
-            </a:r>
-            <a:r>
-              <a:rPr kumimoji="1" lang="en-US" altLang="ja-JP" dirty="0"/>
-              <a:t>A</a:t>
-            </a:r>
-            <a:br>
-              <a:rPr kumimoji="1" lang="en-US" altLang="ja-JP" dirty="0"/>
-            </a:br>
-            <a:endParaRPr kumimoji="1" lang="ja-JP" altLang="en-US" dirty="0"/>
-          </a:p>
-        </p:txBody>
-      </p:sp>
-      <p:sp>
-        <p:nvSpPr>
-          <p:cNvPr id="3" name="コンテンツ プレースホルダー 2">
-            <a:extLst>
-              <a:ext uri="{FF2B5EF4-FFF2-40B4-BE49-F238E27FC236}">
-                <a16:creationId xmlns:a16="http://schemas.microsoft.com/office/drawing/2014/main" id="{7716027C-7843-D7B0-3394-306EF89D6DF1}"/>
-              </a:ext>
-            </a:extLst>
-          </p:cNvPr>
-          <p:cNvSpPr>
-            <a:spLocks noGrp="1"/>
-          </p:cNvSpPr>
-          <p:nvPr>
-            <p:ph idx="1"/>
-          </p:nvPr>
-        </p:nvSpPr>
-        <p:spPr/>
-        <p:txBody>
-          <a:bodyPr/>
-          <a:lstStyle/>
-          <a:p>
-            <a:endParaRPr kumimoji="1" lang="ja-JP" altLang="en-US" dirty="0"/>
-          </a:p>
-        </p:txBody>
-      </p:sp>
-    </p:spTree>
-    <p:extLst>
-      <p:ext uri="{BB962C8B-B14F-4D97-AF65-F5344CB8AC3E}">
-        <p14:creationId xmlns:p14="http://schemas.microsoft.com/office/powerpoint/2010/main" val="2599847687"/>
-      </p:ext>
-    </p:extLst>
-  </p:cSld>
-  <p:clrMapOvr>
-    <a:masterClrMapping/>
-  </p:clrMapOvr>
-</p:sld>
-</file>
-
-<file path=ppt/slides/slide4.xml><?xml version="1.0" encoding="utf-8"?>
-<p:sld xmlns:a="http://schemas.openxmlformats.org/drawingml/2006/main" xmlns:r="http://schemas.openxmlformats.org/officeDocument/2006/relationships" xmlns:p="http://schemas.openxmlformats.org/presentationml/2006/main">
-  <p:cSld>
-    <p:spTree>
-      <p:nvGrpSpPr>
-        <p:cNvPr id="1" name=""/>
-        <p:cNvGrpSpPr/>
-        <p:nvPr/>
-      </p:nvGrpSpPr>
-      <p:grpSpPr>
-        <a:xfrm>
-          <a:off x="0" y="0"/>
-          <a:ext cx="0" cy="0"/>
-          <a:chOff x="0" y="0"/>
-          <a:chExt cx="0" cy="0"/>
-        </a:xfrm>
-      </p:grpSpPr>
-      <p:sp>
-        <p:nvSpPr>
-          <p:cNvPr id="2" name="タイトル 1">
-            <a:extLst>
-              <a:ext uri="{FF2B5EF4-FFF2-40B4-BE49-F238E27FC236}">
-                <a16:creationId xmlns:a16="http://schemas.microsoft.com/office/drawing/2014/main" id="{6D51862C-1F9C-960A-5D91-1B395F94A74C}"/>
-              </a:ext>
-            </a:extLst>
-          </p:cNvPr>
-          <p:cNvSpPr>
-            <a:spLocks noGrp="1"/>
-          </p:cNvSpPr>
-          <p:nvPr>
-            <p:ph type="title"/>
-          </p:nvPr>
-        </p:nvSpPr>
-        <p:spPr/>
-        <p:txBody>
-          <a:bodyPr/>
-          <a:lstStyle/>
-          <a:p>
-            <a:r>
-              <a:rPr kumimoji="1" lang="ja-JP" altLang="en-US" dirty="0"/>
-              <a:t>ストーリーボード</a:t>
-            </a:r>
-          </a:p>
-        </p:txBody>
-      </p:sp>
-      <p:sp>
-        <p:nvSpPr>
-          <p:cNvPr id="3" name="コンテンツ プレースホルダー 2">
-            <a:extLst>
-              <a:ext uri="{FF2B5EF4-FFF2-40B4-BE49-F238E27FC236}">
-                <a16:creationId xmlns:a16="http://schemas.microsoft.com/office/drawing/2014/main" id="{2ED72FAD-B4C7-D3CD-689D-D33F0EC6E28B}"/>
-              </a:ext>
-            </a:extLst>
-          </p:cNvPr>
-          <p:cNvSpPr>
-            <a:spLocks noGrp="1"/>
-          </p:cNvSpPr>
-          <p:nvPr>
-            <p:ph idx="1"/>
-          </p:nvPr>
-        </p:nvSpPr>
-        <p:spPr/>
-        <p:txBody>
-          <a:bodyPr/>
-          <a:lstStyle/>
-          <a:p>
-            <a:endParaRPr kumimoji="1" lang="ja-JP" altLang="en-US"/>
-          </a:p>
-        </p:txBody>
-      </p:sp>
-    </p:spTree>
-    <p:extLst>
-      <p:ext uri="{BB962C8B-B14F-4D97-AF65-F5344CB8AC3E}">
-        <p14:creationId xmlns:p14="http://schemas.microsoft.com/office/powerpoint/2010/main" val="212554740"/>
-      </p:ext>
-    </p:extLst>
-  </p:cSld>
-  <p:clrMapOvr>
-    <a:masterClrMapping/>
-  </p:clrMapOvr>
-</p:sld>
-</file>
-
-<file path=ppt/slides/slide5.xml><?xml version="1.0" encoding="utf-8"?>
-<p:sld xmlns:a="http://schemas.openxmlformats.org/drawingml/2006/main" xmlns:r="http://schemas.openxmlformats.org/officeDocument/2006/relationships" xmlns:p="http://schemas.openxmlformats.org/presentationml/2006/main">
-  <p:cSld>
-    <p:spTree>
-      <p:nvGrpSpPr>
-        <p:cNvPr id="1" name=""/>
-        <p:cNvGrpSpPr/>
-        <p:nvPr/>
-      </p:nvGrpSpPr>
-      <p:grpSpPr>
-        <a:xfrm>
-          <a:off x="0" y="0"/>
-          <a:ext cx="0" cy="0"/>
-          <a:chOff x="0" y="0"/>
-          <a:chExt cx="0" cy="0"/>
-        </a:xfrm>
-      </p:grpSpPr>
-      <p:sp>
-        <p:nvSpPr>
-          <p:cNvPr id="2" name="タイトル 1">
-            <a:extLst>
-              <a:ext uri="{FF2B5EF4-FFF2-40B4-BE49-F238E27FC236}">
-                <a16:creationId xmlns:a16="http://schemas.microsoft.com/office/drawing/2014/main" id="{62EC7CA6-5E82-B683-17CC-06A21F3101F3}"/>
-              </a:ext>
-            </a:extLst>
-          </p:cNvPr>
-          <p:cNvSpPr>
-            <a:spLocks noGrp="1"/>
-          </p:cNvSpPr>
-          <p:nvPr>
-            <p:ph type="title"/>
-          </p:nvPr>
-        </p:nvSpPr>
-        <p:spPr/>
-        <p:txBody>
-          <a:bodyPr/>
-          <a:lstStyle/>
-          <a:p>
-            <a:r>
-              <a:rPr kumimoji="1" lang="en-US" altLang="ja-JP" dirty="0"/>
-              <a:t>UI</a:t>
-            </a:r>
-            <a:r>
-              <a:rPr kumimoji="1" lang="ja-JP" altLang="en-US"/>
-              <a:t>モック</a:t>
-            </a:r>
-          </a:p>
-        </p:txBody>
-      </p:sp>
-      <p:sp>
-        <p:nvSpPr>
-          <p:cNvPr id="3" name="コンテンツ プレースホルダー 2">
-            <a:extLst>
-              <a:ext uri="{FF2B5EF4-FFF2-40B4-BE49-F238E27FC236}">
-                <a16:creationId xmlns:a16="http://schemas.microsoft.com/office/drawing/2014/main" id="{2583CF44-3269-5E8C-6753-8145200EE009}"/>
-              </a:ext>
-            </a:extLst>
-          </p:cNvPr>
-          <p:cNvSpPr>
-            <a:spLocks noGrp="1"/>
-          </p:cNvSpPr>
-          <p:nvPr>
-            <p:ph idx="1"/>
-          </p:nvPr>
-        </p:nvSpPr>
-        <p:spPr/>
-        <p:txBody>
-          <a:bodyPr/>
-          <a:lstStyle/>
-          <a:p>
-            <a:endParaRPr kumimoji="1" lang="ja-JP" altLang="en-US"/>
-          </a:p>
-        </p:txBody>
-      </p:sp>
-    </p:spTree>
-    <p:extLst>
-      <p:ext uri="{BB962C8B-B14F-4D97-AF65-F5344CB8AC3E}">
-        <p14:creationId xmlns:p14="http://schemas.microsoft.com/office/powerpoint/2010/main" val="997042526"/>
-      </p:ext>
-    </p:extLst>
-  </p:cSld>
-  <p:clrMapOvr>
-    <a:masterClrMapping/>
-  </p:clrMapOvr>
-</p:sld>
-</file>
-
-<file path=ppt/slides/slide6.xml><?xml version="1.0" encoding="utf-8"?>
-<p:sld xmlns:a="http://schemas.openxmlformats.org/drawingml/2006/main" xmlns:r="http://schemas.openxmlformats.org/officeDocument/2006/relationships" xmlns:p="http://schemas.openxmlformats.org/presentationml/2006/main">
-  <p:cSld>
-    <p:spTree>
-      <p:nvGrpSpPr>
-        <p:cNvPr id="1" name=""/>
-        <p:cNvGrpSpPr/>
-        <p:nvPr/>
-      </p:nvGrpSpPr>
-      <p:grpSpPr>
-        <a:xfrm>
-          <a:off x="0" y="0"/>
-          <a:ext cx="0" cy="0"/>
-          <a:chOff x="0" y="0"/>
-          <a:chExt cx="0" cy="0"/>
-        </a:xfrm>
-      </p:grpSpPr>
-      <p:sp>
-        <p:nvSpPr>
-          <p:cNvPr id="2" name="タイトル 1">
-            <a:extLst>
-              <a:ext uri="{FF2B5EF4-FFF2-40B4-BE49-F238E27FC236}">
-                <a16:creationId xmlns:a16="http://schemas.microsoft.com/office/drawing/2014/main" id="{D17CC0A7-A21C-6F83-EB40-0F8BD88CB008}"/>
-              </a:ext>
-            </a:extLst>
-          </p:cNvPr>
-          <p:cNvSpPr>
-            <a:spLocks noGrp="1"/>
-          </p:cNvSpPr>
-          <p:nvPr>
-            <p:ph type="title"/>
-          </p:nvPr>
-        </p:nvSpPr>
-        <p:spPr/>
-        <p:txBody>
-          <a:bodyPr/>
-          <a:lstStyle/>
-          <a:p>
-            <a:r>
-              <a:rPr kumimoji="1" lang="en-US" altLang="ja-JP" dirty="0"/>
-              <a:t>ER</a:t>
-            </a:r>
-            <a:r>
-              <a:rPr kumimoji="1" lang="ja-JP" altLang="en-US" dirty="0"/>
-              <a:t>図</a:t>
-            </a:r>
-          </a:p>
-        </p:txBody>
-      </p:sp>
-      <p:pic>
-        <p:nvPicPr>
-          <p:cNvPr id="5" name="コンテンツ プレースホルダー 4">
-            <a:extLst>
-              <a:ext uri="{FF2B5EF4-FFF2-40B4-BE49-F238E27FC236}">
-                <a16:creationId xmlns:a16="http://schemas.microsoft.com/office/drawing/2014/main" id="{4E988A0D-71A5-0782-A31F-119894E73793}"/>
-              </a:ext>
-            </a:extLst>
-          </p:cNvPr>
-          <p:cNvPicPr>
-            <a:picLocks noGrp="1" noChangeAspect="1"/>
-          </p:cNvPicPr>
-          <p:nvPr>
-            <p:ph idx="1"/>
-          </p:nvPr>
-        </p:nvPicPr>
-        <p:blipFill>
-          <a:blip r:embed="rId2"/>
-          <a:stretch>
-            <a:fillRect/>
-          </a:stretch>
-        </p:blipFill>
-        <p:spPr>
-          <a:xfrm>
-            <a:off x="3868738" y="2581688"/>
-            <a:ext cx="7315200" cy="1685099"/>
-          </a:xfrm>
-        </p:spPr>
-      </p:pic>
-    </p:spTree>
-    <p:extLst>
-      <p:ext uri="{BB962C8B-B14F-4D97-AF65-F5344CB8AC3E}">
-        <p14:creationId xmlns:p14="http://schemas.microsoft.com/office/powerpoint/2010/main" val="3173724401"/>
-      </p:ext>
-    </p:extLst>
-  </p:cSld>
-  <p:clrMapOvr>
-    <a:masterClrMapping/>
-  </p:clrMapOvr>
-</p:sld>
-</file>
-
-<file path=ppt/slides/slide7.xml><?xml version="1.0" encoding="utf-8"?>
+<file path=ppt/slides/slide10.xml><?xml version="1.0" encoding="utf-8"?>
 <p:sld xmlns:a="http://schemas.openxmlformats.org/drawingml/2006/main" xmlns:r="http://schemas.openxmlformats.org/officeDocument/2006/relationships" xmlns:p="http://schemas.openxmlformats.org/presentationml/2006/main">
   <p:cSld>
     <p:spTree>
@@ -5117,6 +4636,1628 @@
 </p:sld>
 </file>
 
+<file path=ppt/slides/slide2.xml><?xml version="1.0" encoding="utf-8"?>
+<p:sld xmlns:a="http://schemas.openxmlformats.org/drawingml/2006/main" xmlns:r="http://schemas.openxmlformats.org/officeDocument/2006/relationships" xmlns:p="http://schemas.openxmlformats.org/presentationml/2006/main">
+  <p:cSld>
+    <p:spTree>
+      <p:nvGrpSpPr>
+        <p:cNvPr id="1" name=""/>
+        <p:cNvGrpSpPr/>
+        <p:nvPr/>
+      </p:nvGrpSpPr>
+      <p:grpSpPr>
+        <a:xfrm>
+          <a:off x="0" y="0"/>
+          <a:ext cx="0" cy="0"/>
+          <a:chOff x="0" y="0"/>
+          <a:chExt cx="0" cy="0"/>
+        </a:xfrm>
+      </p:grpSpPr>
+      <p:sp>
+        <p:nvSpPr>
+          <p:cNvPr id="2" name="タイトル 1">
+            <a:extLst>
+              <a:ext uri="{FF2B5EF4-FFF2-40B4-BE49-F238E27FC236}">
+                <a16:creationId xmlns:a16="http://schemas.microsoft.com/office/drawing/2014/main" id="{FAC8725B-9945-04A6-12B4-2245C692F272}"/>
+              </a:ext>
+            </a:extLst>
+          </p:cNvPr>
+          <p:cNvSpPr>
+            <a:spLocks noGrp="1"/>
+          </p:cNvSpPr>
+          <p:nvPr>
+            <p:ph type="title"/>
+          </p:nvPr>
+        </p:nvSpPr>
+        <p:spPr/>
+        <p:txBody>
+          <a:bodyPr/>
+          <a:lstStyle/>
+          <a:p>
+            <a:r>
+              <a:rPr kumimoji="1" lang="ja-JP" altLang="en-US" dirty="0"/>
+              <a:t>概要</a:t>
+            </a:r>
+          </a:p>
+        </p:txBody>
+      </p:sp>
+      <p:sp>
+        <p:nvSpPr>
+          <p:cNvPr id="3" name="コンテンツ プレースホルダー 2">
+            <a:extLst>
+              <a:ext uri="{FF2B5EF4-FFF2-40B4-BE49-F238E27FC236}">
+                <a16:creationId xmlns:a16="http://schemas.microsoft.com/office/drawing/2014/main" id="{9BB565FE-0E7B-AFF7-8078-9256EAC269A2}"/>
+              </a:ext>
+            </a:extLst>
+          </p:cNvPr>
+          <p:cNvSpPr>
+            <a:spLocks noGrp="1"/>
+          </p:cNvSpPr>
+          <p:nvPr>
+            <p:ph idx="1"/>
+          </p:nvPr>
+        </p:nvSpPr>
+        <p:spPr/>
+        <p:txBody>
+          <a:bodyPr/>
+          <a:lstStyle/>
+          <a:p>
+            <a:r>
+              <a:rPr kumimoji="1" lang="ja-JP" altLang="en-US" dirty="0"/>
+              <a:t>グループ名：</a:t>
+            </a:r>
+            <a:r>
+              <a:rPr kumimoji="1" lang="en-US" altLang="ja-JP" dirty="0"/>
+              <a:t>4711Special</a:t>
+            </a:r>
+            <a:endParaRPr lang="en-US" altLang="ja-JP" dirty="0"/>
+          </a:p>
+          <a:p>
+            <a:r>
+              <a:rPr kumimoji="1" lang="ja-JP" altLang="en-US" dirty="0"/>
+              <a:t>メンバー：</a:t>
+            </a:r>
+            <a:r>
+              <a:rPr kumimoji="1" lang="en-US" altLang="ja-JP" dirty="0"/>
+              <a:t>2272062</a:t>
+            </a:r>
+            <a:r>
+              <a:rPr kumimoji="1" lang="ja-JP" altLang="en-US" dirty="0"/>
+              <a:t>　角田凜　　</a:t>
+            </a:r>
+            <a:r>
+              <a:rPr lang="en-US" altLang="ja-JP" dirty="0"/>
+              <a:t>2341067</a:t>
+            </a:r>
+            <a:r>
+              <a:rPr lang="ja-JP" altLang="en-US" dirty="0"/>
+              <a:t>　畑遥菜</a:t>
+            </a:r>
+          </a:p>
+          <a:p>
+            <a:r>
+              <a:rPr lang="en-US" altLang="ja-JP" dirty="0"/>
+              <a:t>Git</a:t>
+            </a:r>
+            <a:r>
+              <a:rPr lang="ja-JP" altLang="en-US" dirty="0"/>
+              <a:t> </a:t>
+            </a:r>
+            <a:r>
+              <a:rPr lang="en-US" altLang="ja-JP" dirty="0"/>
+              <a:t>Hub</a:t>
+            </a:r>
+            <a:r>
+              <a:rPr lang="ja-JP" altLang="en-US" dirty="0"/>
+              <a:t>：</a:t>
+            </a:r>
+            <a:r>
+              <a:rPr lang="en-US" altLang="ja-JP" dirty="0"/>
+              <a:t>https://github.com/tunodarin/task_manager_DB.git</a:t>
+            </a:r>
+            <a:endParaRPr kumimoji="1" lang="ja-JP" altLang="en-US" dirty="0"/>
+          </a:p>
+        </p:txBody>
+      </p:sp>
+    </p:spTree>
+    <p:extLst>
+      <p:ext uri="{BB962C8B-B14F-4D97-AF65-F5344CB8AC3E}">
+        <p14:creationId xmlns:p14="http://schemas.microsoft.com/office/powerpoint/2010/main" val="2841528707"/>
+      </p:ext>
+    </p:extLst>
+  </p:cSld>
+  <p:clrMapOvr>
+    <a:masterClrMapping/>
+  </p:clrMapOvr>
+</p:sld>
+</file>
+
+<file path=ppt/slides/slide3.xml><?xml version="1.0" encoding="utf-8"?>
+<p:sld xmlns:a="http://schemas.openxmlformats.org/drawingml/2006/main" xmlns:r="http://schemas.openxmlformats.org/officeDocument/2006/relationships" xmlns:p="http://schemas.openxmlformats.org/presentationml/2006/main">
+  <p:cSld>
+    <p:spTree>
+      <p:nvGrpSpPr>
+        <p:cNvPr id="1" name=""/>
+        <p:cNvGrpSpPr/>
+        <p:nvPr/>
+      </p:nvGrpSpPr>
+      <p:grpSpPr>
+        <a:xfrm>
+          <a:off x="0" y="0"/>
+          <a:ext cx="0" cy="0"/>
+          <a:chOff x="0" y="0"/>
+          <a:chExt cx="0" cy="0"/>
+        </a:xfrm>
+      </p:grpSpPr>
+      <p:sp>
+        <p:nvSpPr>
+          <p:cNvPr id="2" name="タイトル 1">
+            <a:extLst>
+              <a:ext uri="{FF2B5EF4-FFF2-40B4-BE49-F238E27FC236}">
+                <a16:creationId xmlns:a16="http://schemas.microsoft.com/office/drawing/2014/main" id="{059DAE21-AEF8-A0C2-8D48-1E19E1E86633}"/>
+              </a:ext>
+            </a:extLst>
+          </p:cNvPr>
+          <p:cNvSpPr>
+            <a:spLocks noGrp="1"/>
+          </p:cNvSpPr>
+          <p:nvPr>
+            <p:ph type="title"/>
+          </p:nvPr>
+        </p:nvSpPr>
+        <p:spPr/>
+        <p:txBody>
+          <a:bodyPr/>
+          <a:lstStyle/>
+          <a:p>
+            <a:r>
+              <a:rPr lang="ja-JP" altLang="en-US" dirty="0"/>
+              <a:t>ペルソナ</a:t>
+            </a:r>
+            <a:br>
+              <a:rPr kumimoji="1" lang="en-US" altLang="ja-JP" dirty="0"/>
+            </a:br>
+            <a:endParaRPr kumimoji="1" lang="ja-JP" altLang="en-US" dirty="0"/>
+          </a:p>
+        </p:txBody>
+      </p:sp>
+      <p:sp>
+        <p:nvSpPr>
+          <p:cNvPr id="3" name="コンテンツ プレースホルダー 2">
+            <a:extLst>
+              <a:ext uri="{FF2B5EF4-FFF2-40B4-BE49-F238E27FC236}">
+                <a16:creationId xmlns:a16="http://schemas.microsoft.com/office/drawing/2014/main" id="{7716027C-7843-D7B0-3394-306EF89D6DF1}"/>
+              </a:ext>
+            </a:extLst>
+          </p:cNvPr>
+          <p:cNvSpPr>
+            <a:spLocks noGrp="1"/>
+          </p:cNvSpPr>
+          <p:nvPr>
+            <p:ph idx="1"/>
+          </p:nvPr>
+        </p:nvSpPr>
+        <p:spPr/>
+        <p:txBody>
+          <a:bodyPr>
+            <a:normAutofit fontScale="77500" lnSpcReduction="20000"/>
+          </a:bodyPr>
+          <a:lstStyle/>
+          <a:p>
+            <a:r>
+              <a:rPr lang="ja-JP" altLang="en-US" dirty="0"/>
+              <a:t>名前：佐藤健太 </a:t>
+            </a:r>
+          </a:p>
+          <a:p>
+            <a:r>
+              <a:rPr lang="ja-JP" altLang="en-US" dirty="0"/>
+              <a:t>年齢：</a:t>
+            </a:r>
+            <a:r>
+              <a:rPr lang="en-US" altLang="ja-JP" dirty="0"/>
+              <a:t>20</a:t>
+            </a:r>
+            <a:r>
+              <a:rPr lang="ja-JP" altLang="en-US" dirty="0"/>
+              <a:t>歳</a:t>
+            </a:r>
+          </a:p>
+          <a:p>
+            <a:r>
+              <a:rPr lang="ja-JP" altLang="en-US" dirty="0"/>
+              <a:t>職業：大学</a:t>
+            </a:r>
+            <a:r>
+              <a:rPr lang="en-US" altLang="ja-JP" dirty="0"/>
+              <a:t>2</a:t>
+            </a:r>
+            <a:r>
+              <a:rPr lang="ja-JP" altLang="en-US" dirty="0"/>
+              <a:t>年生（工学部情報工学科） </a:t>
+            </a:r>
+          </a:p>
+          <a:p>
+            <a:r>
+              <a:rPr lang="en-US" altLang="ja-JP" dirty="0"/>
+              <a:t>《</a:t>
+            </a:r>
+            <a:r>
+              <a:rPr lang="ja-JP" altLang="en-US" dirty="0"/>
+              <a:t>価値観・性格</a:t>
+            </a:r>
+            <a:r>
+              <a:rPr lang="en-US" altLang="ja-JP" dirty="0"/>
+              <a:t>》</a:t>
+            </a:r>
+          </a:p>
+          <a:p>
+            <a:r>
+              <a:rPr lang="ja-JP" altLang="en-US" dirty="0"/>
+              <a:t>・効率重視、合理的 </a:t>
+            </a:r>
+          </a:p>
+          <a:p>
+            <a:r>
+              <a:rPr lang="ja-JP" altLang="en-US" dirty="0"/>
+              <a:t>・デジタルツールが好き</a:t>
+            </a:r>
+          </a:p>
+          <a:p>
+            <a:r>
+              <a:rPr lang="ja-JP" altLang="en-US" dirty="0"/>
+              <a:t>・多機能すぎるツールは設定が面倒で続かない </a:t>
+            </a:r>
+          </a:p>
+          <a:p>
+            <a:r>
+              <a:rPr lang="en-US" altLang="ja-JP" dirty="0"/>
+              <a:t>《</a:t>
+            </a:r>
+            <a:r>
+              <a:rPr lang="ja-JP" altLang="en-US" dirty="0"/>
+              <a:t>利用動機</a:t>
+            </a:r>
+            <a:r>
+              <a:rPr lang="en-US" altLang="ja-JP" dirty="0"/>
+              <a:t>》</a:t>
+            </a:r>
+          </a:p>
+          <a:p>
+            <a:r>
+              <a:rPr lang="ja-JP" altLang="en-US" dirty="0"/>
+              <a:t>・講義課題、サークル事務、バイト管理が重複 </a:t>
+            </a:r>
+          </a:p>
+          <a:p>
+            <a:r>
+              <a:rPr lang="ja-JP" altLang="en-US" dirty="0"/>
+              <a:t>・提出期限の失念によるミスを防ぎたい </a:t>
+            </a:r>
+          </a:p>
+          <a:p>
+            <a:r>
+              <a:rPr lang="ja-JP" altLang="en-US" dirty="0"/>
+              <a:t>・「覚えておく」管理に限界を感じている </a:t>
+            </a:r>
+          </a:p>
+          <a:p>
+            <a:r>
+              <a:rPr lang="en-US" altLang="ja-JP" dirty="0"/>
+              <a:t>《</a:t>
+            </a:r>
+            <a:r>
+              <a:rPr lang="ja-JP" altLang="en-US" dirty="0"/>
+              <a:t>ツールに求めること</a:t>
+            </a:r>
+            <a:r>
+              <a:rPr lang="en-US" altLang="ja-JP" dirty="0"/>
+              <a:t>》</a:t>
+            </a:r>
+          </a:p>
+          <a:p>
+            <a:r>
+              <a:rPr lang="ja-JP" altLang="en-US" dirty="0"/>
+              <a:t>・</a:t>
+            </a:r>
+            <a:r>
+              <a:rPr lang="en-US" altLang="ja-JP" dirty="0"/>
+              <a:t>PC</a:t>
+            </a:r>
+            <a:r>
+              <a:rPr lang="ja-JP" altLang="en-US" dirty="0"/>
+              <a:t>とスマホの両方に対応していること</a:t>
+            </a:r>
+            <a:endParaRPr lang="en-US" altLang="ja-JP" dirty="0"/>
+          </a:p>
+          <a:p>
+            <a:r>
+              <a:rPr lang="ja-JP" altLang="en-US" dirty="0"/>
+              <a:t>・ページ遷移が少なく更新に時間が掛からないこと</a:t>
+            </a:r>
+          </a:p>
+          <a:p>
+            <a:r>
+              <a:rPr lang="ja-JP" altLang="en-US" dirty="0"/>
+              <a:t>・入力が速く、迷わない</a:t>
+            </a:r>
+            <a:r>
+              <a:rPr lang="en-US" altLang="ja-JP" dirty="0"/>
+              <a:t>UI</a:t>
+            </a:r>
+          </a:p>
+          <a:p>
+            <a:r>
+              <a:rPr lang="ja-JP" altLang="en-US" dirty="0"/>
+              <a:t>・</a:t>
+            </a:r>
+            <a:r>
+              <a:rPr lang="en-US" altLang="ja-JP" dirty="0"/>
+              <a:t>SQLite</a:t>
+            </a:r>
+            <a:r>
+              <a:rPr lang="ja-JP" altLang="en-US" dirty="0"/>
+              <a:t>によるローカル永続化の安心感</a:t>
+            </a:r>
+            <a:endParaRPr lang="en-US" altLang="ja-JP" dirty="0"/>
+          </a:p>
+        </p:txBody>
+      </p:sp>
+    </p:spTree>
+    <p:extLst>
+      <p:ext uri="{BB962C8B-B14F-4D97-AF65-F5344CB8AC3E}">
+        <p14:creationId xmlns:p14="http://schemas.microsoft.com/office/powerpoint/2010/main" val="2599847687"/>
+      </p:ext>
+    </p:extLst>
+  </p:cSld>
+  <p:clrMapOvr>
+    <a:masterClrMapping/>
+  </p:clrMapOvr>
+</p:sld>
+</file>
+
+<file path=ppt/slides/slide4.xml><?xml version="1.0" encoding="utf-8"?>
+<p:sld xmlns:a="http://schemas.openxmlformats.org/drawingml/2006/main" xmlns:r="http://schemas.openxmlformats.org/officeDocument/2006/relationships" xmlns:p="http://schemas.openxmlformats.org/presentationml/2006/main">
+  <p:cSld>
+    <p:spTree>
+      <p:nvGrpSpPr>
+        <p:cNvPr id="1" name=""/>
+        <p:cNvGrpSpPr/>
+        <p:nvPr/>
+      </p:nvGrpSpPr>
+      <p:grpSpPr>
+        <a:xfrm>
+          <a:off x="0" y="0"/>
+          <a:ext cx="0" cy="0"/>
+          <a:chOff x="0" y="0"/>
+          <a:chExt cx="0" cy="0"/>
+        </a:xfrm>
+      </p:grpSpPr>
+      <p:sp>
+        <p:nvSpPr>
+          <p:cNvPr id="2" name="タイトル 1">
+            <a:extLst>
+              <a:ext uri="{FF2B5EF4-FFF2-40B4-BE49-F238E27FC236}">
+                <a16:creationId xmlns:a16="http://schemas.microsoft.com/office/drawing/2014/main" id="{C51C420C-FB38-BF99-AA31-C4ED71A850A3}"/>
+              </a:ext>
+            </a:extLst>
+          </p:cNvPr>
+          <p:cNvSpPr>
+            <a:spLocks noGrp="1"/>
+          </p:cNvSpPr>
+          <p:nvPr>
+            <p:ph type="title"/>
+          </p:nvPr>
+        </p:nvSpPr>
+        <p:spPr/>
+        <p:txBody>
+          <a:bodyPr/>
+          <a:lstStyle/>
+          <a:p>
+            <a:r>
+              <a:rPr kumimoji="1" lang="ja-JP" altLang="en-US" dirty="0"/>
+              <a:t>ストーリーボード</a:t>
+            </a:r>
+          </a:p>
+        </p:txBody>
+      </p:sp>
+      <p:pic>
+        <p:nvPicPr>
+          <p:cNvPr id="5" name="コンテンツ プレースホルダー 4">
+            <a:extLst>
+              <a:ext uri="{FF2B5EF4-FFF2-40B4-BE49-F238E27FC236}">
+                <a16:creationId xmlns:a16="http://schemas.microsoft.com/office/drawing/2014/main" id="{F8087A8B-3357-E5E9-A331-FDC2ADF6040C}"/>
+              </a:ext>
+            </a:extLst>
+          </p:cNvPr>
+          <p:cNvPicPr>
+            <a:picLocks noGrp="1" noChangeAspect="1"/>
+          </p:cNvPicPr>
+          <p:nvPr>
+            <p:ph idx="1"/>
+          </p:nvPr>
+        </p:nvPicPr>
+        <p:blipFill>
+          <a:blip r:embed="rId2"/>
+          <a:stretch>
+            <a:fillRect/>
+          </a:stretch>
+        </p:blipFill>
+        <p:spPr>
+          <a:xfrm>
+            <a:off x="3868738" y="1464720"/>
+            <a:ext cx="7315200" cy="3919034"/>
+          </a:xfrm>
+        </p:spPr>
+      </p:pic>
+    </p:spTree>
+    <p:extLst>
+      <p:ext uri="{BB962C8B-B14F-4D97-AF65-F5344CB8AC3E}">
+        <p14:creationId xmlns:p14="http://schemas.microsoft.com/office/powerpoint/2010/main" val="1870357834"/>
+      </p:ext>
+    </p:extLst>
+  </p:cSld>
+  <p:clrMapOvr>
+    <a:masterClrMapping/>
+  </p:clrMapOvr>
+</p:sld>
+</file>
+
+<file path=ppt/slides/slide5.xml><?xml version="1.0" encoding="utf-8"?>
+<p:sld xmlns:a="http://schemas.openxmlformats.org/drawingml/2006/main" xmlns:r="http://schemas.openxmlformats.org/officeDocument/2006/relationships" xmlns:p="http://schemas.openxmlformats.org/presentationml/2006/main">
+  <p:cSld>
+    <p:spTree>
+      <p:nvGrpSpPr>
+        <p:cNvPr id="1" name=""/>
+        <p:cNvGrpSpPr/>
+        <p:nvPr/>
+      </p:nvGrpSpPr>
+      <p:grpSpPr>
+        <a:xfrm>
+          <a:off x="0" y="0"/>
+          <a:ext cx="0" cy="0"/>
+          <a:chOff x="0" y="0"/>
+          <a:chExt cx="0" cy="0"/>
+        </a:xfrm>
+      </p:grpSpPr>
+      <p:sp>
+        <p:nvSpPr>
+          <p:cNvPr id="2" name="タイトル 1">
+            <a:extLst>
+              <a:ext uri="{FF2B5EF4-FFF2-40B4-BE49-F238E27FC236}">
+                <a16:creationId xmlns:a16="http://schemas.microsoft.com/office/drawing/2014/main" id="{6D51862C-1F9C-960A-5D91-1B395F94A74C}"/>
+              </a:ext>
+            </a:extLst>
+          </p:cNvPr>
+          <p:cNvSpPr>
+            <a:spLocks noGrp="1"/>
+          </p:cNvSpPr>
+          <p:nvPr>
+            <p:ph type="title"/>
+          </p:nvPr>
+        </p:nvSpPr>
+        <p:spPr/>
+        <p:txBody>
+          <a:bodyPr/>
+          <a:lstStyle/>
+          <a:p>
+            <a:r>
+              <a:rPr lang="ja-JP" altLang="en-US" dirty="0"/>
+              <a:t>ペルソナ：</a:t>
+            </a:r>
+            <a:br>
+              <a:rPr lang="en-US" altLang="ja-JP" dirty="0"/>
+            </a:br>
+            <a:r>
+              <a:rPr lang="ja-JP" altLang="en-US" dirty="0"/>
+              <a:t>佐藤健太の</a:t>
+            </a:r>
+            <a:br>
+              <a:rPr lang="en-US" altLang="ja-JP" dirty="0"/>
+            </a:br>
+            <a:r>
+              <a:rPr lang="ja-JP" altLang="en-US" dirty="0"/>
+              <a:t>モチベーショングラフ</a:t>
+            </a:r>
+            <a:endParaRPr kumimoji="1" lang="ja-JP" altLang="en-US" dirty="0"/>
+          </a:p>
+        </p:txBody>
+      </p:sp>
+      <p:pic>
+        <p:nvPicPr>
+          <p:cNvPr id="5" name="図 4">
+            <a:extLst>
+              <a:ext uri="{FF2B5EF4-FFF2-40B4-BE49-F238E27FC236}">
+                <a16:creationId xmlns:a16="http://schemas.microsoft.com/office/drawing/2014/main" id="{AB32175F-202D-9906-37CD-A6B1F42A04EA}"/>
+              </a:ext>
+            </a:extLst>
+          </p:cNvPr>
+          <p:cNvPicPr>
+            <a:picLocks noChangeAspect="1"/>
+          </p:cNvPicPr>
+          <p:nvPr/>
+        </p:nvPicPr>
+        <p:blipFill>
+          <a:blip r:embed="rId2"/>
+          <a:stretch>
+            <a:fillRect/>
+          </a:stretch>
+        </p:blipFill>
+        <p:spPr>
+          <a:xfrm>
+            <a:off x="4000783" y="1679275"/>
+            <a:ext cx="6575202" cy="4364190"/>
+          </a:xfrm>
+          <a:prstGeom prst="rect">
+            <a:avLst/>
+          </a:prstGeom>
+        </p:spPr>
+      </p:pic>
+      <p:sp>
+        <p:nvSpPr>
+          <p:cNvPr id="7" name="コンテンツ プレースホルダー 6">
+            <a:extLst>
+              <a:ext uri="{FF2B5EF4-FFF2-40B4-BE49-F238E27FC236}">
+                <a16:creationId xmlns:a16="http://schemas.microsoft.com/office/drawing/2014/main" id="{5CF6B1ED-A95B-8737-DC78-7F124644875E}"/>
+              </a:ext>
+            </a:extLst>
+          </p:cNvPr>
+          <p:cNvSpPr>
+            <a:spLocks noGrp="1"/>
+          </p:cNvSpPr>
+          <p:nvPr>
+            <p:ph idx="1"/>
+          </p:nvPr>
+        </p:nvSpPr>
+        <p:spPr/>
+        <p:txBody>
+          <a:bodyPr/>
+          <a:lstStyle/>
+          <a:p>
+            <a:endParaRPr lang="ja-JP" altLang="en-US"/>
+          </a:p>
+        </p:txBody>
+      </p:sp>
+    </p:spTree>
+    <p:extLst>
+      <p:ext uri="{BB962C8B-B14F-4D97-AF65-F5344CB8AC3E}">
+        <p14:creationId xmlns:p14="http://schemas.microsoft.com/office/powerpoint/2010/main" val="212554740"/>
+      </p:ext>
+    </p:extLst>
+  </p:cSld>
+  <p:clrMapOvr>
+    <a:masterClrMapping/>
+  </p:clrMapOvr>
+</p:sld>
+</file>
+
+<file path=ppt/slides/slide6.xml><?xml version="1.0" encoding="utf-8"?>
+<p:sld xmlns:a="http://schemas.openxmlformats.org/drawingml/2006/main" xmlns:r="http://schemas.openxmlformats.org/officeDocument/2006/relationships" xmlns:p="http://schemas.openxmlformats.org/presentationml/2006/main">
+  <p:cSld>
+    <p:spTree>
+      <p:nvGrpSpPr>
+        <p:cNvPr id="1" name=""/>
+        <p:cNvGrpSpPr/>
+        <p:nvPr/>
+      </p:nvGrpSpPr>
+      <p:grpSpPr>
+        <a:xfrm>
+          <a:off x="0" y="0"/>
+          <a:ext cx="0" cy="0"/>
+          <a:chOff x="0" y="0"/>
+          <a:chExt cx="0" cy="0"/>
+        </a:xfrm>
+      </p:grpSpPr>
+      <p:sp>
+        <p:nvSpPr>
+          <p:cNvPr id="2" name="タイトル 1">
+            <a:extLst>
+              <a:ext uri="{FF2B5EF4-FFF2-40B4-BE49-F238E27FC236}">
+                <a16:creationId xmlns:a16="http://schemas.microsoft.com/office/drawing/2014/main" id="{62EC7CA6-5E82-B683-17CC-06A21F3101F3}"/>
+              </a:ext>
+            </a:extLst>
+          </p:cNvPr>
+          <p:cNvSpPr>
+            <a:spLocks noGrp="1"/>
+          </p:cNvSpPr>
+          <p:nvPr>
+            <p:ph type="title"/>
+          </p:nvPr>
+        </p:nvSpPr>
+        <p:spPr/>
+        <p:txBody>
+          <a:bodyPr/>
+          <a:lstStyle/>
+          <a:p>
+            <a:r>
+              <a:rPr kumimoji="1" lang="en-US" altLang="ja-JP" dirty="0"/>
+              <a:t>UI</a:t>
+            </a:r>
+            <a:endParaRPr kumimoji="1" lang="ja-JP" altLang="en-US" dirty="0"/>
+          </a:p>
+        </p:txBody>
+      </p:sp>
+      <p:sp>
+        <p:nvSpPr>
+          <p:cNvPr id="3" name="コンテンツ プレースホルダー 2">
+            <a:extLst>
+              <a:ext uri="{FF2B5EF4-FFF2-40B4-BE49-F238E27FC236}">
+                <a16:creationId xmlns:a16="http://schemas.microsoft.com/office/drawing/2014/main" id="{2583CF44-3269-5E8C-6753-8145200EE009}"/>
+              </a:ext>
+            </a:extLst>
+          </p:cNvPr>
+          <p:cNvSpPr>
+            <a:spLocks noGrp="1"/>
+          </p:cNvSpPr>
+          <p:nvPr>
+            <p:ph idx="1"/>
+          </p:nvPr>
+        </p:nvSpPr>
+        <p:spPr/>
+        <p:txBody>
+          <a:bodyPr/>
+          <a:lstStyle/>
+          <a:p>
+            <a:pPr marL="0" indent="0">
+              <a:buNone/>
+            </a:pPr>
+            <a:r>
+              <a:rPr lang="ja-JP" altLang="en-US" dirty="0"/>
+              <a:t>ペルソナ定義から出た非機能要件として、</a:t>
+            </a:r>
+            <a:endParaRPr lang="en-US" altLang="ja-JP" dirty="0"/>
+          </a:p>
+          <a:p>
+            <a:pPr marL="0" indent="0">
+              <a:buNone/>
+            </a:pPr>
+            <a:endParaRPr lang="en-US" altLang="ja-JP" dirty="0"/>
+          </a:p>
+          <a:p>
+            <a:r>
+              <a:rPr lang="ja-JP" altLang="en-US" dirty="0"/>
+              <a:t>ページ遷移が少なく更新に時間が掛からないこと</a:t>
+            </a:r>
+          </a:p>
+          <a:p>
+            <a:r>
+              <a:rPr lang="ja-JP" altLang="en-US" dirty="0"/>
+              <a:t>入力が速く、迷わない</a:t>
+            </a:r>
+            <a:r>
+              <a:rPr lang="en-US" altLang="ja-JP" dirty="0"/>
+              <a:t>UI</a:t>
+            </a:r>
+          </a:p>
+          <a:p>
+            <a:pPr marL="0" indent="0">
+              <a:buNone/>
+            </a:pPr>
+            <a:endParaRPr lang="en-US" altLang="ja-JP" dirty="0"/>
+          </a:p>
+          <a:p>
+            <a:pPr marL="0" indent="0">
+              <a:buNone/>
+            </a:pPr>
+            <a:r>
+              <a:rPr lang="ja-JP" altLang="en-US" dirty="0"/>
+              <a:t>を上げていたので、</a:t>
+            </a:r>
+            <a:endParaRPr lang="en-US" altLang="ja-JP" dirty="0"/>
+          </a:p>
+          <a:p>
+            <a:pPr marL="0" indent="0">
+              <a:buNone/>
+            </a:pPr>
+            <a:endParaRPr lang="en-US" altLang="ja-JP" dirty="0"/>
+          </a:p>
+          <a:p>
+            <a:r>
+              <a:rPr lang="ja-JP" altLang="en-US" u="sng" dirty="0">
+                <a:highlight>
+                  <a:srgbClr val="FFFF00"/>
+                </a:highlight>
+              </a:rPr>
+              <a:t>ページ遷移の無いブラウザアプリ</a:t>
+            </a:r>
+            <a:endParaRPr lang="en-US" altLang="ja-JP" u="sng" dirty="0">
+              <a:highlight>
+                <a:srgbClr val="FFFF00"/>
+              </a:highlight>
+            </a:endParaRPr>
+          </a:p>
+          <a:p>
+            <a:r>
+              <a:rPr lang="ja-JP" altLang="en-US" u="sng" dirty="0">
+                <a:highlight>
+                  <a:srgbClr val="FFFF00"/>
+                </a:highlight>
+              </a:rPr>
+              <a:t>一画面で入力から管理までできる</a:t>
+            </a:r>
+            <a:endParaRPr lang="en-US" altLang="ja-JP" u="sng" dirty="0">
+              <a:highlight>
+                <a:srgbClr val="FFFF00"/>
+              </a:highlight>
+            </a:endParaRPr>
+          </a:p>
+          <a:p>
+            <a:r>
+              <a:rPr lang="ja-JP" altLang="en-US" u="sng" dirty="0">
+                <a:highlight>
+                  <a:srgbClr val="FFFF00"/>
+                </a:highlight>
+              </a:rPr>
+              <a:t>とにかく更新に時間が掛からない、ラグがない</a:t>
+            </a:r>
+            <a:endParaRPr lang="en-US" altLang="ja-JP" u="sng" dirty="0">
+              <a:highlight>
+                <a:srgbClr val="FFFF00"/>
+              </a:highlight>
+            </a:endParaRPr>
+          </a:p>
+          <a:p>
+            <a:endParaRPr lang="en-US" altLang="ja-JP" dirty="0"/>
+          </a:p>
+          <a:p>
+            <a:pPr marL="0" indent="0">
+              <a:buNone/>
+            </a:pPr>
+            <a:r>
+              <a:rPr lang="ja-JP" altLang="en-US" dirty="0"/>
+              <a:t>ことを最優先にして開発しました。</a:t>
+            </a:r>
+            <a:endParaRPr lang="en-US" altLang="ja-JP" dirty="0"/>
+          </a:p>
+        </p:txBody>
+      </p:sp>
+    </p:spTree>
+    <p:extLst>
+      <p:ext uri="{BB962C8B-B14F-4D97-AF65-F5344CB8AC3E}">
+        <p14:creationId xmlns:p14="http://schemas.microsoft.com/office/powerpoint/2010/main" val="997042526"/>
+      </p:ext>
+    </p:extLst>
+  </p:cSld>
+  <p:clrMapOvr>
+    <a:masterClrMapping/>
+  </p:clrMapOvr>
+</p:sld>
+</file>
+
+<file path=ppt/slides/slide7.xml><?xml version="1.0" encoding="utf-8"?>
+<p:sld xmlns:a="http://schemas.openxmlformats.org/drawingml/2006/main" xmlns:r="http://schemas.openxmlformats.org/officeDocument/2006/relationships" xmlns:p="http://schemas.openxmlformats.org/presentationml/2006/main">
+  <p:cSld>
+    <p:spTree>
+      <p:nvGrpSpPr>
+        <p:cNvPr id="1" name=""/>
+        <p:cNvGrpSpPr/>
+        <p:nvPr/>
+      </p:nvGrpSpPr>
+      <p:grpSpPr>
+        <a:xfrm>
+          <a:off x="0" y="0"/>
+          <a:ext cx="0" cy="0"/>
+          <a:chOff x="0" y="0"/>
+          <a:chExt cx="0" cy="0"/>
+        </a:xfrm>
+      </p:grpSpPr>
+      <p:sp>
+        <p:nvSpPr>
+          <p:cNvPr id="2" name="タイトル 1">
+            <a:extLst>
+              <a:ext uri="{FF2B5EF4-FFF2-40B4-BE49-F238E27FC236}">
+                <a16:creationId xmlns:a16="http://schemas.microsoft.com/office/drawing/2014/main" id="{DB17424C-305C-41B3-E09A-A652EF8BDDB6}"/>
+              </a:ext>
+            </a:extLst>
+          </p:cNvPr>
+          <p:cNvSpPr>
+            <a:spLocks noGrp="1"/>
+          </p:cNvSpPr>
+          <p:nvPr>
+            <p:ph type="title"/>
+          </p:nvPr>
+        </p:nvSpPr>
+        <p:spPr>
+          <a:xfrm>
+            <a:off x="252919" y="1123837"/>
+            <a:ext cx="2649564" cy="4601183"/>
+          </a:xfrm>
+        </p:spPr>
+        <p:txBody>
+          <a:bodyPr/>
+          <a:lstStyle/>
+          <a:p>
+            <a:r>
+              <a:rPr kumimoji="1" lang="ja-JP" altLang="en-US" dirty="0"/>
+              <a:t>アプリケーション概要</a:t>
+            </a:r>
+          </a:p>
+        </p:txBody>
+      </p:sp>
+      <p:pic>
+        <p:nvPicPr>
+          <p:cNvPr id="5" name="コンテンツ プレースホルダー 4">
+            <a:extLst>
+              <a:ext uri="{FF2B5EF4-FFF2-40B4-BE49-F238E27FC236}">
+                <a16:creationId xmlns:a16="http://schemas.microsoft.com/office/drawing/2014/main" id="{E7BA3A12-550E-8E9E-99C3-5EE67504BF50}"/>
+              </a:ext>
+            </a:extLst>
+          </p:cNvPr>
+          <p:cNvPicPr>
+            <a:picLocks noGrp="1" noChangeAspect="1"/>
+          </p:cNvPicPr>
+          <p:nvPr>
+            <p:ph idx="1"/>
+          </p:nvPr>
+        </p:nvPicPr>
+        <p:blipFill>
+          <a:blip r:embed="rId2"/>
+          <a:stretch>
+            <a:fillRect/>
+          </a:stretch>
+        </p:blipFill>
+        <p:spPr>
+          <a:xfrm>
+            <a:off x="3573770" y="1283523"/>
+            <a:ext cx="7315200" cy="4388000"/>
+          </a:xfrm>
+        </p:spPr>
+      </p:pic>
+      <p:sp>
+        <p:nvSpPr>
+          <p:cNvPr id="6" name="吹き出し: 円形 5">
+            <a:extLst>
+              <a:ext uri="{FF2B5EF4-FFF2-40B4-BE49-F238E27FC236}">
+                <a16:creationId xmlns:a16="http://schemas.microsoft.com/office/drawing/2014/main" id="{5BA7C971-D59C-3BE1-84DF-0037F49DBA18}"/>
+              </a:ext>
+            </a:extLst>
+          </p:cNvPr>
+          <p:cNvSpPr/>
+          <p:nvPr/>
+        </p:nvSpPr>
+        <p:spPr>
+          <a:xfrm>
+            <a:off x="10364440" y="1691845"/>
+            <a:ext cx="1735648" cy="852044"/>
+          </a:xfrm>
+          <a:prstGeom prst="wedgeEllipseCallout">
+            <a:avLst/>
+          </a:prstGeom>
+        </p:spPr>
+        <p:style>
+          <a:lnRef idx="1">
+            <a:schemeClr val="accent1"/>
+          </a:lnRef>
+          <a:fillRef idx="2">
+            <a:schemeClr val="accent1"/>
+          </a:fillRef>
+          <a:effectRef idx="1">
+            <a:schemeClr val="accent1"/>
+          </a:effectRef>
+          <a:fontRef idx="minor">
+            <a:schemeClr val="dk1"/>
+          </a:fontRef>
+        </p:style>
+        <p:txBody>
+          <a:bodyPr rtlCol="0" anchor="ctr"/>
+          <a:lstStyle/>
+          <a:p>
+            <a:pPr algn="ctr"/>
+            <a:r>
+              <a:rPr kumimoji="1" lang="ja-JP" altLang="en-US" b="1" dirty="0">
+                <a:ln w="9525">
+                  <a:solidFill>
+                    <a:schemeClr val="bg1"/>
+                  </a:solidFill>
+                  <a:prstDash val="solid"/>
+                </a:ln>
+                <a:solidFill>
+                  <a:schemeClr val="tx1"/>
+                </a:solidFill>
+                <a:effectLst>
+                  <a:outerShdw blurRad="12700" dist="38100" dir="2700000" algn="tl" rotWithShape="0">
+                    <a:schemeClr val="bg1">
+                      <a:lumMod val="50000"/>
+                    </a:schemeClr>
+                  </a:outerShdw>
+                </a:effectLst>
+              </a:rPr>
+              <a:t>③　</a:t>
+            </a:r>
+            <a:endParaRPr kumimoji="1" lang="en-US" altLang="ja-JP" b="1" dirty="0">
+              <a:ln w="9525">
+                <a:solidFill>
+                  <a:schemeClr val="bg1"/>
+                </a:solidFill>
+                <a:prstDash val="solid"/>
+              </a:ln>
+              <a:solidFill>
+                <a:schemeClr val="tx1"/>
+              </a:solidFill>
+              <a:effectLst>
+                <a:outerShdw blurRad="12700" dist="38100" dir="2700000" algn="tl" rotWithShape="0">
+                  <a:schemeClr val="bg1">
+                    <a:lumMod val="50000"/>
+                  </a:schemeClr>
+                </a:outerShdw>
+              </a:effectLst>
+            </a:endParaRPr>
+          </a:p>
+          <a:p>
+            <a:pPr algn="ctr"/>
+            <a:r>
+              <a:rPr kumimoji="1" lang="ja-JP" altLang="en-US" b="1" dirty="0">
+                <a:ln w="9525">
+                  <a:solidFill>
+                    <a:schemeClr val="bg1"/>
+                  </a:solidFill>
+                  <a:prstDash val="solid"/>
+                </a:ln>
+                <a:solidFill>
+                  <a:schemeClr val="tx1"/>
+                </a:solidFill>
+                <a:effectLst>
+                  <a:outerShdw blurRad="12700" dist="38100" dir="2700000" algn="tl" rotWithShape="0">
+                    <a:schemeClr val="bg1">
+                      <a:lumMod val="50000"/>
+                    </a:schemeClr>
+                  </a:outerShdw>
+                </a:effectLst>
+              </a:rPr>
+              <a:t>追加</a:t>
+            </a:r>
+            <a:endParaRPr kumimoji="1" lang="ja-JP" altLang="en-US" b="1" dirty="0">
+              <a:ln w="22225">
+                <a:solidFill>
+                  <a:schemeClr val="accent2"/>
+                </a:solidFill>
+                <a:prstDash val="solid"/>
+              </a:ln>
+              <a:solidFill>
+                <a:schemeClr val="accent2">
+                  <a:lumMod val="40000"/>
+                  <a:lumOff val="60000"/>
+                </a:schemeClr>
+              </a:solidFill>
+            </a:endParaRPr>
+          </a:p>
+        </p:txBody>
+      </p:sp>
+      <p:sp>
+        <p:nvSpPr>
+          <p:cNvPr id="9" name="吹き出し: 円形 8">
+            <a:extLst>
+              <a:ext uri="{FF2B5EF4-FFF2-40B4-BE49-F238E27FC236}">
+                <a16:creationId xmlns:a16="http://schemas.microsoft.com/office/drawing/2014/main" id="{A3C10E9B-64DA-3C5D-C42E-E89263923A78}"/>
+              </a:ext>
+            </a:extLst>
+          </p:cNvPr>
+          <p:cNvSpPr/>
+          <p:nvPr/>
+        </p:nvSpPr>
+        <p:spPr>
+          <a:xfrm>
+            <a:off x="8776276" y="626038"/>
+            <a:ext cx="1735648" cy="1491829"/>
+          </a:xfrm>
+          <a:prstGeom prst="wedgeEllipseCallout">
+            <a:avLst/>
+          </a:prstGeom>
+        </p:spPr>
+        <p:style>
+          <a:lnRef idx="1">
+            <a:schemeClr val="accent1"/>
+          </a:lnRef>
+          <a:fillRef idx="2">
+            <a:schemeClr val="accent1"/>
+          </a:fillRef>
+          <a:effectRef idx="1">
+            <a:schemeClr val="accent1"/>
+          </a:effectRef>
+          <a:fontRef idx="minor">
+            <a:schemeClr val="dk1"/>
+          </a:fontRef>
+        </p:style>
+        <p:txBody>
+          <a:bodyPr rtlCol="0" anchor="ctr"/>
+          <a:lstStyle/>
+          <a:p>
+            <a:pPr algn="ctr"/>
+            <a:r>
+              <a:rPr kumimoji="1" lang="ja-JP" altLang="en-US" b="1" dirty="0">
+                <a:ln w="9525">
+                  <a:solidFill>
+                    <a:schemeClr val="bg1"/>
+                  </a:solidFill>
+                  <a:prstDash val="solid"/>
+                </a:ln>
+                <a:solidFill>
+                  <a:schemeClr val="tx1"/>
+                </a:solidFill>
+                <a:effectLst>
+                  <a:outerShdw blurRad="12700" dist="38100" dir="2700000" algn="tl" rotWithShape="0">
+                    <a:schemeClr val="bg1">
+                      <a:lumMod val="50000"/>
+                    </a:schemeClr>
+                  </a:outerShdw>
+                </a:effectLst>
+              </a:rPr>
+              <a:t>②　</a:t>
+            </a:r>
+            <a:endParaRPr kumimoji="1" lang="en-US" altLang="ja-JP" b="1" dirty="0">
+              <a:ln w="9525">
+                <a:solidFill>
+                  <a:schemeClr val="bg1"/>
+                </a:solidFill>
+                <a:prstDash val="solid"/>
+              </a:ln>
+              <a:solidFill>
+                <a:schemeClr val="tx1"/>
+              </a:solidFill>
+              <a:effectLst>
+                <a:outerShdw blurRad="12700" dist="38100" dir="2700000" algn="tl" rotWithShape="0">
+                  <a:schemeClr val="bg1">
+                    <a:lumMod val="50000"/>
+                  </a:schemeClr>
+                </a:outerShdw>
+              </a:effectLst>
+            </a:endParaRPr>
+          </a:p>
+          <a:p>
+            <a:pPr algn="ctr"/>
+            <a:r>
+              <a:rPr kumimoji="1" lang="ja-JP" altLang="en-US" b="1" dirty="0">
+                <a:ln w="9525">
+                  <a:solidFill>
+                    <a:schemeClr val="bg1"/>
+                  </a:solidFill>
+                  <a:prstDash val="solid"/>
+                </a:ln>
+                <a:solidFill>
+                  <a:schemeClr val="tx1"/>
+                </a:solidFill>
+                <a:effectLst>
+                  <a:outerShdw blurRad="12700" dist="38100" dir="2700000" algn="tl" rotWithShape="0">
+                    <a:schemeClr val="bg1">
+                      <a:lumMod val="50000"/>
+                    </a:schemeClr>
+                  </a:outerShdw>
+                </a:effectLst>
+              </a:rPr>
+              <a:t>タスクの期限を設定</a:t>
+            </a:r>
+            <a:endParaRPr kumimoji="1" lang="ja-JP" altLang="en-US" b="1" dirty="0">
+              <a:ln w="22225">
+                <a:solidFill>
+                  <a:schemeClr val="accent2"/>
+                </a:solidFill>
+                <a:prstDash val="solid"/>
+              </a:ln>
+              <a:solidFill>
+                <a:schemeClr val="accent2">
+                  <a:lumMod val="40000"/>
+                  <a:lumOff val="60000"/>
+                </a:schemeClr>
+              </a:solidFill>
+            </a:endParaRPr>
+          </a:p>
+        </p:txBody>
+      </p:sp>
+      <p:sp>
+        <p:nvSpPr>
+          <p:cNvPr id="10" name="吹き出し: 円形 9">
+            <a:extLst>
+              <a:ext uri="{FF2B5EF4-FFF2-40B4-BE49-F238E27FC236}">
+                <a16:creationId xmlns:a16="http://schemas.microsoft.com/office/drawing/2014/main" id="{FC2420C2-4029-74ED-243A-F0EDB9FFBEC7}"/>
+              </a:ext>
+            </a:extLst>
+          </p:cNvPr>
+          <p:cNvSpPr/>
+          <p:nvPr/>
+        </p:nvSpPr>
+        <p:spPr>
+          <a:xfrm>
+            <a:off x="3785165" y="984208"/>
+            <a:ext cx="1735648" cy="1227066"/>
+          </a:xfrm>
+          <a:prstGeom prst="wedgeEllipseCallout">
+            <a:avLst/>
+          </a:prstGeom>
+        </p:spPr>
+        <p:style>
+          <a:lnRef idx="1">
+            <a:schemeClr val="accent1"/>
+          </a:lnRef>
+          <a:fillRef idx="2">
+            <a:schemeClr val="accent1"/>
+          </a:fillRef>
+          <a:effectRef idx="1">
+            <a:schemeClr val="accent1"/>
+          </a:effectRef>
+          <a:fontRef idx="minor">
+            <a:schemeClr val="dk1"/>
+          </a:fontRef>
+        </p:style>
+        <p:txBody>
+          <a:bodyPr rtlCol="0" anchor="ctr"/>
+          <a:lstStyle/>
+          <a:p>
+            <a:pPr algn="ctr"/>
+            <a:r>
+              <a:rPr kumimoji="1" lang="ja-JP" altLang="en-US" b="1" dirty="0">
+                <a:ln w="9525">
+                  <a:solidFill>
+                    <a:schemeClr val="bg1"/>
+                  </a:solidFill>
+                  <a:prstDash val="solid"/>
+                </a:ln>
+                <a:solidFill>
+                  <a:schemeClr val="tx1"/>
+                </a:solidFill>
+                <a:effectLst>
+                  <a:outerShdw blurRad="12700" dist="38100" dir="2700000" algn="tl" rotWithShape="0">
+                    <a:schemeClr val="bg1">
+                      <a:lumMod val="50000"/>
+                    </a:schemeClr>
+                  </a:outerShdw>
+                </a:effectLst>
+              </a:rPr>
+              <a:t>①　</a:t>
+            </a:r>
+            <a:endParaRPr kumimoji="1" lang="en-US" altLang="ja-JP" b="1" dirty="0">
+              <a:ln w="9525">
+                <a:solidFill>
+                  <a:schemeClr val="bg1"/>
+                </a:solidFill>
+                <a:prstDash val="solid"/>
+              </a:ln>
+              <a:solidFill>
+                <a:schemeClr val="tx1"/>
+              </a:solidFill>
+              <a:effectLst>
+                <a:outerShdw blurRad="12700" dist="38100" dir="2700000" algn="tl" rotWithShape="0">
+                  <a:schemeClr val="bg1">
+                    <a:lumMod val="50000"/>
+                  </a:schemeClr>
+                </a:outerShdw>
+              </a:effectLst>
+            </a:endParaRPr>
+          </a:p>
+          <a:p>
+            <a:pPr algn="ctr"/>
+            <a:r>
+              <a:rPr kumimoji="1" lang="ja-JP" altLang="en-US" b="1" dirty="0">
+                <a:ln w="9525">
+                  <a:solidFill>
+                    <a:schemeClr val="bg1"/>
+                  </a:solidFill>
+                  <a:prstDash val="solid"/>
+                </a:ln>
+                <a:solidFill>
+                  <a:schemeClr val="tx1"/>
+                </a:solidFill>
+                <a:effectLst>
+                  <a:outerShdw blurRad="12700" dist="38100" dir="2700000" algn="tl" rotWithShape="0">
+                    <a:schemeClr val="bg1">
+                      <a:lumMod val="50000"/>
+                    </a:schemeClr>
+                  </a:outerShdw>
+                </a:effectLst>
+              </a:rPr>
+              <a:t>追加するタスクを入力</a:t>
+            </a:r>
+            <a:endParaRPr kumimoji="1" lang="ja-JP" altLang="en-US" b="1" dirty="0">
+              <a:ln w="22225">
+                <a:solidFill>
+                  <a:schemeClr val="accent2"/>
+                </a:solidFill>
+                <a:prstDash val="solid"/>
+              </a:ln>
+              <a:solidFill>
+                <a:schemeClr val="accent2">
+                  <a:lumMod val="40000"/>
+                  <a:lumOff val="60000"/>
+                </a:schemeClr>
+              </a:solidFill>
+            </a:endParaRPr>
+          </a:p>
+        </p:txBody>
+      </p:sp>
+    </p:spTree>
+    <p:extLst>
+      <p:ext uri="{BB962C8B-B14F-4D97-AF65-F5344CB8AC3E}">
+        <p14:creationId xmlns:p14="http://schemas.microsoft.com/office/powerpoint/2010/main" val="1301268681"/>
+      </p:ext>
+    </p:extLst>
+  </p:cSld>
+  <p:clrMapOvr>
+    <a:masterClrMapping/>
+  </p:clrMapOvr>
+</p:sld>
+</file>
+
+<file path=ppt/slides/slide8.xml><?xml version="1.0" encoding="utf-8"?>
+<p:sld xmlns:a="http://schemas.openxmlformats.org/drawingml/2006/main" xmlns:r="http://schemas.openxmlformats.org/officeDocument/2006/relationships" xmlns:p="http://schemas.openxmlformats.org/presentationml/2006/main">
+  <p:cSld>
+    <p:spTree>
+      <p:nvGrpSpPr>
+        <p:cNvPr id="1" name=""/>
+        <p:cNvGrpSpPr/>
+        <p:nvPr/>
+      </p:nvGrpSpPr>
+      <p:grpSpPr>
+        <a:xfrm>
+          <a:off x="0" y="0"/>
+          <a:ext cx="0" cy="0"/>
+          <a:chOff x="0" y="0"/>
+          <a:chExt cx="0" cy="0"/>
+        </a:xfrm>
+      </p:grpSpPr>
+      <p:sp>
+        <p:nvSpPr>
+          <p:cNvPr id="2" name="タイトル 1">
+            <a:extLst>
+              <a:ext uri="{FF2B5EF4-FFF2-40B4-BE49-F238E27FC236}">
+                <a16:creationId xmlns:a16="http://schemas.microsoft.com/office/drawing/2014/main" id="{3086A63F-5290-98D0-B468-BB6D4C3920F0}"/>
+              </a:ext>
+            </a:extLst>
+          </p:cNvPr>
+          <p:cNvSpPr>
+            <a:spLocks noGrp="1"/>
+          </p:cNvSpPr>
+          <p:nvPr>
+            <p:ph type="title"/>
+          </p:nvPr>
+        </p:nvSpPr>
+        <p:spPr/>
+        <p:txBody>
+          <a:bodyPr/>
+          <a:lstStyle/>
+          <a:p>
+            <a:r>
+              <a:rPr kumimoji="1" lang="ja-JP" altLang="en-US" dirty="0"/>
+              <a:t>アプリケーション概要</a:t>
+            </a:r>
+          </a:p>
+        </p:txBody>
+      </p:sp>
+      <p:pic>
+        <p:nvPicPr>
+          <p:cNvPr id="5" name="コンテンツ プレースホルダー 4">
+            <a:extLst>
+              <a:ext uri="{FF2B5EF4-FFF2-40B4-BE49-F238E27FC236}">
+                <a16:creationId xmlns:a16="http://schemas.microsoft.com/office/drawing/2014/main" id="{BF3962A9-F93A-07EB-F02C-170252CDFAF0}"/>
+              </a:ext>
+            </a:extLst>
+          </p:cNvPr>
+          <p:cNvPicPr>
+            <a:picLocks noGrp="1" noChangeAspect="1"/>
+          </p:cNvPicPr>
+          <p:nvPr>
+            <p:ph idx="1"/>
+          </p:nvPr>
+        </p:nvPicPr>
+        <p:blipFill>
+          <a:blip r:embed="rId2"/>
+          <a:stretch>
+            <a:fillRect/>
+          </a:stretch>
+        </p:blipFill>
+        <p:spPr>
+          <a:xfrm>
+            <a:off x="3818358" y="255966"/>
+            <a:ext cx="5616658" cy="5938356"/>
+          </a:xfrm>
+        </p:spPr>
+      </p:pic>
+      <p:sp>
+        <p:nvSpPr>
+          <p:cNvPr id="6" name="吹き出し: 円形 5">
+            <a:extLst>
+              <a:ext uri="{FF2B5EF4-FFF2-40B4-BE49-F238E27FC236}">
+                <a16:creationId xmlns:a16="http://schemas.microsoft.com/office/drawing/2014/main" id="{2330BDE2-7C01-8EF6-B46C-958FF07D1672}"/>
+              </a:ext>
+            </a:extLst>
+          </p:cNvPr>
+          <p:cNvSpPr/>
+          <p:nvPr/>
+        </p:nvSpPr>
+        <p:spPr>
+          <a:xfrm>
+            <a:off x="9199042" y="663678"/>
+            <a:ext cx="2033330" cy="1203469"/>
+          </a:xfrm>
+          <a:prstGeom prst="wedgeEllipseCallout">
+            <a:avLst/>
+          </a:prstGeom>
+        </p:spPr>
+        <p:style>
+          <a:lnRef idx="1">
+            <a:schemeClr val="accent2"/>
+          </a:lnRef>
+          <a:fillRef idx="2">
+            <a:schemeClr val="accent2"/>
+          </a:fillRef>
+          <a:effectRef idx="1">
+            <a:schemeClr val="accent2"/>
+          </a:effectRef>
+          <a:fontRef idx="minor">
+            <a:schemeClr val="dk1"/>
+          </a:fontRef>
+        </p:style>
+        <p:txBody>
+          <a:bodyPr rtlCol="0" anchor="ctr"/>
+          <a:lstStyle/>
+          <a:p>
+            <a:pPr algn="ctr"/>
+            <a:r>
+              <a:rPr kumimoji="1" lang="ja-JP" altLang="en-US" dirty="0"/>
+              <a:t>追加されたタスクが同画面に表示される</a:t>
+            </a:r>
+          </a:p>
+        </p:txBody>
+      </p:sp>
+      <p:sp>
+        <p:nvSpPr>
+          <p:cNvPr id="7" name="吹き出し: 円形 6">
+            <a:extLst>
+              <a:ext uri="{FF2B5EF4-FFF2-40B4-BE49-F238E27FC236}">
+                <a16:creationId xmlns:a16="http://schemas.microsoft.com/office/drawing/2014/main" id="{60EA53E3-BECA-8830-A8EA-7D276FD926FD}"/>
+              </a:ext>
+            </a:extLst>
+          </p:cNvPr>
+          <p:cNvSpPr/>
+          <p:nvPr/>
+        </p:nvSpPr>
+        <p:spPr>
+          <a:xfrm>
+            <a:off x="9256088" y="1978251"/>
+            <a:ext cx="2935912" cy="1626255"/>
+          </a:xfrm>
+          <a:prstGeom prst="wedgeEllipseCallout">
+            <a:avLst/>
+          </a:prstGeom>
+        </p:spPr>
+        <p:style>
+          <a:lnRef idx="1">
+            <a:schemeClr val="accent2"/>
+          </a:lnRef>
+          <a:fillRef idx="2">
+            <a:schemeClr val="accent2"/>
+          </a:fillRef>
+          <a:effectRef idx="1">
+            <a:schemeClr val="accent2"/>
+          </a:effectRef>
+          <a:fontRef idx="minor">
+            <a:schemeClr val="dk1"/>
+          </a:fontRef>
+        </p:style>
+        <p:txBody>
+          <a:bodyPr rtlCol="0" anchor="ctr"/>
+          <a:lstStyle/>
+          <a:p>
+            <a:pPr algn="ctr"/>
+            <a:r>
+              <a:rPr kumimoji="1" lang="ja-JP" altLang="en-US" dirty="0"/>
+              <a:t>期限を設定せず追加されたタスクは</a:t>
+            </a:r>
+            <a:endParaRPr kumimoji="1" lang="en-US" altLang="ja-JP" dirty="0"/>
+          </a:p>
+          <a:p>
+            <a:pPr algn="ctr"/>
+            <a:r>
+              <a:rPr kumimoji="1" lang="ja-JP" altLang="en-US" dirty="0"/>
+              <a:t>「期限なし」</a:t>
+            </a:r>
+            <a:endParaRPr kumimoji="1" lang="en-US" altLang="ja-JP" dirty="0"/>
+          </a:p>
+          <a:p>
+            <a:pPr algn="ctr"/>
+            <a:r>
+              <a:rPr kumimoji="1" lang="ja-JP" altLang="en-US" dirty="0"/>
+              <a:t>として一番上に</a:t>
+            </a:r>
+          </a:p>
+        </p:txBody>
+      </p:sp>
+      <p:sp>
+        <p:nvSpPr>
+          <p:cNvPr id="8" name="吹き出し: 円形 7">
+            <a:extLst>
+              <a:ext uri="{FF2B5EF4-FFF2-40B4-BE49-F238E27FC236}">
+                <a16:creationId xmlns:a16="http://schemas.microsoft.com/office/drawing/2014/main" id="{B3A01861-2248-08DA-65C3-584267431657}"/>
+              </a:ext>
+            </a:extLst>
+          </p:cNvPr>
+          <p:cNvSpPr/>
+          <p:nvPr/>
+        </p:nvSpPr>
+        <p:spPr>
+          <a:xfrm>
+            <a:off x="6872748" y="2623409"/>
+            <a:ext cx="2217175" cy="1447146"/>
+          </a:xfrm>
+          <a:prstGeom prst="wedgeEllipseCallout">
+            <a:avLst/>
+          </a:prstGeom>
+        </p:spPr>
+        <p:style>
+          <a:lnRef idx="1">
+            <a:schemeClr val="accent2"/>
+          </a:lnRef>
+          <a:fillRef idx="2">
+            <a:schemeClr val="accent2"/>
+          </a:fillRef>
+          <a:effectRef idx="1">
+            <a:schemeClr val="accent2"/>
+          </a:effectRef>
+          <a:fontRef idx="minor">
+            <a:schemeClr val="dk1"/>
+          </a:fontRef>
+        </p:style>
+        <p:txBody>
+          <a:bodyPr rtlCol="0" anchor="ctr"/>
+          <a:lstStyle/>
+          <a:p>
+            <a:pPr algn="ctr"/>
+            <a:r>
+              <a:rPr kumimoji="1" lang="ja-JP" altLang="en-US" dirty="0"/>
+              <a:t>期限付きのタスクは期限が近い順に上から並ぶ</a:t>
+            </a:r>
+          </a:p>
+        </p:txBody>
+      </p:sp>
+      <p:sp>
+        <p:nvSpPr>
+          <p:cNvPr id="9" name="吹き出し: 円形 8">
+            <a:extLst>
+              <a:ext uri="{FF2B5EF4-FFF2-40B4-BE49-F238E27FC236}">
+                <a16:creationId xmlns:a16="http://schemas.microsoft.com/office/drawing/2014/main" id="{F00DD3F9-93EA-E05D-1FBA-2A595693F685}"/>
+              </a:ext>
+            </a:extLst>
+          </p:cNvPr>
+          <p:cNvSpPr/>
+          <p:nvPr/>
+        </p:nvSpPr>
+        <p:spPr>
+          <a:xfrm>
+            <a:off x="8112568" y="4294729"/>
+            <a:ext cx="2700940" cy="1392249"/>
+          </a:xfrm>
+          <a:prstGeom prst="wedgeEllipseCallout">
+            <a:avLst/>
+          </a:prstGeom>
+        </p:spPr>
+        <p:style>
+          <a:lnRef idx="1">
+            <a:schemeClr val="accent2"/>
+          </a:lnRef>
+          <a:fillRef idx="2">
+            <a:schemeClr val="accent2"/>
+          </a:fillRef>
+          <a:effectRef idx="1">
+            <a:schemeClr val="accent2"/>
+          </a:effectRef>
+          <a:fontRef idx="minor">
+            <a:schemeClr val="dk1"/>
+          </a:fontRef>
+        </p:style>
+        <p:txBody>
+          <a:bodyPr rtlCol="0" anchor="ctr"/>
+          <a:lstStyle/>
+          <a:p>
+            <a:pPr algn="ctr"/>
+            <a:r>
+              <a:rPr kumimoji="1" lang="ja-JP" altLang="en-US" dirty="0"/>
+              <a:t>完了したタスクにチェックを付けると同画面下部に表示される</a:t>
+            </a:r>
+          </a:p>
+        </p:txBody>
+      </p:sp>
+    </p:spTree>
+    <p:extLst>
+      <p:ext uri="{BB962C8B-B14F-4D97-AF65-F5344CB8AC3E}">
+        <p14:creationId xmlns:p14="http://schemas.microsoft.com/office/powerpoint/2010/main" val="565216438"/>
+      </p:ext>
+    </p:extLst>
+  </p:cSld>
+  <p:clrMapOvr>
+    <a:masterClrMapping/>
+  </p:clrMapOvr>
+</p:sld>
+</file>
+
+<file path=ppt/slides/slide9.xml><?xml version="1.0" encoding="utf-8"?>
+<p:sld xmlns:a="http://schemas.openxmlformats.org/drawingml/2006/main" xmlns:r="http://schemas.openxmlformats.org/officeDocument/2006/relationships" xmlns:p="http://schemas.openxmlformats.org/presentationml/2006/main">
+  <p:cSld>
+    <p:spTree>
+      <p:nvGrpSpPr>
+        <p:cNvPr id="1" name=""/>
+        <p:cNvGrpSpPr/>
+        <p:nvPr/>
+      </p:nvGrpSpPr>
+      <p:grpSpPr>
+        <a:xfrm>
+          <a:off x="0" y="0"/>
+          <a:ext cx="0" cy="0"/>
+          <a:chOff x="0" y="0"/>
+          <a:chExt cx="0" cy="0"/>
+        </a:xfrm>
+      </p:grpSpPr>
+      <p:sp>
+        <p:nvSpPr>
+          <p:cNvPr id="2" name="タイトル 1">
+            <a:extLst>
+              <a:ext uri="{FF2B5EF4-FFF2-40B4-BE49-F238E27FC236}">
+                <a16:creationId xmlns:a16="http://schemas.microsoft.com/office/drawing/2014/main" id="{D17CC0A7-A21C-6F83-EB40-0F8BD88CB008}"/>
+              </a:ext>
+            </a:extLst>
+          </p:cNvPr>
+          <p:cNvSpPr>
+            <a:spLocks noGrp="1"/>
+          </p:cNvSpPr>
+          <p:nvPr>
+            <p:ph type="title"/>
+          </p:nvPr>
+        </p:nvSpPr>
+        <p:spPr/>
+        <p:txBody>
+          <a:bodyPr/>
+          <a:lstStyle/>
+          <a:p>
+            <a:r>
+              <a:rPr kumimoji="1" lang="en-US" altLang="ja-JP" dirty="0"/>
+              <a:t>ER</a:t>
+            </a:r>
+            <a:r>
+              <a:rPr kumimoji="1" lang="ja-JP" altLang="en-US" dirty="0"/>
+              <a:t>図</a:t>
+            </a:r>
+          </a:p>
+        </p:txBody>
+      </p:sp>
+      <p:pic>
+        <p:nvPicPr>
+          <p:cNvPr id="7" name="コンテンツ プレースホルダー 6">
+            <a:extLst>
+              <a:ext uri="{FF2B5EF4-FFF2-40B4-BE49-F238E27FC236}">
+                <a16:creationId xmlns:a16="http://schemas.microsoft.com/office/drawing/2014/main" id="{3BB3A167-F2B0-458F-65CF-50BC208AF665}"/>
+              </a:ext>
+            </a:extLst>
+          </p:cNvPr>
+          <p:cNvPicPr>
+            <a:picLocks noGrp="1" noChangeAspect="1"/>
+          </p:cNvPicPr>
+          <p:nvPr>
+            <p:ph idx="1"/>
+          </p:nvPr>
+        </p:nvPicPr>
+        <p:blipFill>
+          <a:blip r:embed="rId2"/>
+          <a:stretch>
+            <a:fillRect/>
+          </a:stretch>
+        </p:blipFill>
+        <p:spPr>
+          <a:xfrm>
+            <a:off x="3588589" y="2156605"/>
+            <a:ext cx="7595349" cy="1850808"/>
+          </a:xfrm>
+        </p:spPr>
+      </p:pic>
+    </p:spTree>
+    <p:extLst>
+      <p:ext uri="{BB962C8B-B14F-4D97-AF65-F5344CB8AC3E}">
+        <p14:creationId xmlns:p14="http://schemas.microsoft.com/office/powerpoint/2010/main" val="3173724401"/>
+      </p:ext>
+    </p:extLst>
+  </p:cSld>
+  <p:clrMapOvr>
+    <a:masterClrMapping/>
+  </p:clrMapOvr>
+</p:sld>
+</file>
+
 <file path=ppt/theme/theme1.xml><?xml version="1.0" encoding="utf-8"?>
 <a:theme xmlns:a="http://schemas.openxmlformats.org/drawingml/2006/main" name="フレーム">
   <a:themeElements>
